--- a/bayesian-modelling/1_Estimation.pptx
+++ b/bayesian-modelling/1_Estimation.pptx
@@ -30132,7 +30132,7 @@
             </a:pPr>
             <a:r>
               <a:rPr lang="en-CA" sz="4000" b="1" dirty="0"/>
-              <a:t>Exercise</a:t>
+              <a:t>Environment Setup</a:t>
             </a:r>
           </a:p>
         </p:txBody>
@@ -33352,6 +33352,17 @@
 </file>
 
 <file path=customXml/item1.xml><?xml version="1.0" encoding="utf-8"?>
+<p:properties xmlns:p="http://schemas.microsoft.com/office/2006/metadata/properties" xmlns:xsi="http://www.w3.org/2001/XMLSchema-instance" xmlns:pc="http://schemas.microsoft.com/office/infopath/2007/PartnerControls">
+  <documentManagement>
+    <TaxCatchAll xmlns="21cea1b5-b8b8-49a7-ad55-9815503a2de3" xsi:nil="true"/>
+    <lcf76f155ced4ddcb4097134ff3c332f xmlns="a777d6bd-13f9-427d-90d8-3493e6e6135a">
+      <Terms xmlns="http://schemas.microsoft.com/office/infopath/2007/PartnerControls"/>
+    </lcf76f155ced4ddcb4097134ff3c332f>
+  </documentManagement>
+</p:properties>
+</file>
+
+<file path=customXml/item2.xml><?xml version="1.0" encoding="utf-8"?>
 <ct:contentTypeSchema xmlns:ct="http://schemas.microsoft.com/office/2006/metadata/contentType" xmlns:ma="http://schemas.microsoft.com/office/2006/metadata/properties/metaAttributes" ct:_="" ma:_="" ma:contentTypeName="문서" ma:contentTypeID="0x0101007917C783DC76484FB8EE4E2E915C826D" ma:contentTypeVersion="14" ma:contentTypeDescription="새 문서를 만듭니다." ma:contentTypeScope="" ma:versionID="5970496cfac6c8ed8dd979ecb5c5ac3e">
   <xsd:schema xmlns:xsd="http://www.w3.org/2001/XMLSchema" xmlns:xs="http://www.w3.org/2001/XMLSchema" xmlns:p="http://schemas.microsoft.com/office/2006/metadata/properties" xmlns:ns2="a777d6bd-13f9-427d-90d8-3493e6e6135a" xmlns:ns3="21cea1b5-b8b8-49a7-ad55-9815503a2de3" targetNamespace="http://schemas.microsoft.com/office/2006/metadata/properties" ma:root="true" ma:fieldsID="b3948081e9c420d0af992ef9601bf8ae" ns2:_="" ns3:_="">
     <xsd:import namespace="a777d6bd-13f9-427d-90d8-3493e6e6135a"/>
@@ -33580,7 +33591,7 @@
 </ct:contentTypeSchema>
 </file>
 
-<file path=customXml/item2.xml><?xml version="1.0" encoding="utf-8"?>
+<file path=customXml/item3.xml><?xml version="1.0" encoding="utf-8"?>
 <?mso-contentType ?>
 <FormTemplates xmlns="http://schemas.microsoft.com/sharepoint/v3/contenttype/forms">
   <Display>DocumentLibraryForm</Display>
@@ -33589,18 +33600,24 @@
 </FormTemplates>
 </file>
 
-<file path=customXml/item3.xml><?xml version="1.0" encoding="utf-8"?>
-<p:properties xmlns:p="http://schemas.microsoft.com/office/2006/metadata/properties" xmlns:xsi="http://www.w3.org/2001/XMLSchema-instance" xmlns:pc="http://schemas.microsoft.com/office/infopath/2007/PartnerControls">
-  <documentManagement>
-    <TaxCatchAll xmlns="21cea1b5-b8b8-49a7-ad55-9815503a2de3" xsi:nil="true"/>
-    <lcf76f155ced4ddcb4097134ff3c332f xmlns="a777d6bd-13f9-427d-90d8-3493e6e6135a">
-      <Terms xmlns="http://schemas.microsoft.com/office/infopath/2007/PartnerControls"/>
-    </lcf76f155ced4ddcb4097134ff3c332f>
-  </documentManagement>
-</p:properties>
+<file path=customXml/itemProps1.xml><?xml version="1.0" encoding="utf-8"?>
+<ds:datastoreItem xmlns:ds="http://schemas.openxmlformats.org/officeDocument/2006/customXml" ds:itemID="{B46BB44E-DDA9-4A4E-8422-24BFBB7878E2}">
+  <ds:schemaRefs>
+    <ds:schemaRef ds:uri="http://purl.org/dc/elements/1.1/"/>
+    <ds:schemaRef ds:uri="http://purl.org/dc/terms/"/>
+    <ds:schemaRef ds:uri="http://schemas.microsoft.com/office/2006/documentManagement/types"/>
+    <ds:schemaRef ds:uri="a777d6bd-13f9-427d-90d8-3493e6e6135a"/>
+    <ds:schemaRef ds:uri="http://purl.org/dc/dcmitype/"/>
+    <ds:schemaRef ds:uri="http://schemas.microsoft.com/office/infopath/2007/PartnerControls"/>
+    <ds:schemaRef ds:uri="http://schemas.openxmlformats.org/package/2006/metadata/core-properties"/>
+    <ds:schemaRef ds:uri="21cea1b5-b8b8-49a7-ad55-9815503a2de3"/>
+    <ds:schemaRef ds:uri="http://schemas.microsoft.com/office/2006/metadata/properties"/>
+    <ds:schemaRef ds:uri="http://www.w3.org/XML/1998/namespace"/>
+  </ds:schemaRefs>
+</ds:datastoreItem>
 </file>
 
-<file path=customXml/itemProps1.xml><?xml version="1.0" encoding="utf-8"?>
+<file path=customXml/itemProps2.xml><?xml version="1.0" encoding="utf-8"?>
 <ds:datastoreItem xmlns:ds="http://schemas.openxmlformats.org/officeDocument/2006/customXml" ds:itemID="{F75F35C7-3041-4C40-AE9D-9C5AA7725281}">
   <ds:schemaRefs>
     <ds:schemaRef ds:uri="21cea1b5-b8b8-49a7-ad55-9815503a2de3"/>
@@ -33619,27 +33636,10 @@
 </ds:datastoreItem>
 </file>
 
-<file path=customXml/itemProps2.xml><?xml version="1.0" encoding="utf-8"?>
+<file path=customXml/itemProps3.xml><?xml version="1.0" encoding="utf-8"?>
 <ds:datastoreItem xmlns:ds="http://schemas.openxmlformats.org/officeDocument/2006/customXml" ds:itemID="{D0BCF156-7021-46E7-A8A5-2912D2711101}">
   <ds:schemaRefs>
     <ds:schemaRef ds:uri="http://schemas.microsoft.com/sharepoint/v3/contenttype/forms"/>
-  </ds:schemaRefs>
-</ds:datastoreItem>
-</file>
-
-<file path=customXml/itemProps3.xml><?xml version="1.0" encoding="utf-8"?>
-<ds:datastoreItem xmlns:ds="http://schemas.openxmlformats.org/officeDocument/2006/customXml" ds:itemID="{B46BB44E-DDA9-4A4E-8422-24BFBB7878E2}">
-  <ds:schemaRefs>
-    <ds:schemaRef ds:uri="http://purl.org/dc/elements/1.1/"/>
-    <ds:schemaRef ds:uri="http://purl.org/dc/terms/"/>
-    <ds:schemaRef ds:uri="http://schemas.microsoft.com/office/2006/documentManagement/types"/>
-    <ds:schemaRef ds:uri="a777d6bd-13f9-427d-90d8-3493e6e6135a"/>
-    <ds:schemaRef ds:uri="http://purl.org/dc/dcmitype/"/>
-    <ds:schemaRef ds:uri="http://schemas.microsoft.com/office/infopath/2007/PartnerControls"/>
-    <ds:schemaRef ds:uri="http://schemas.openxmlformats.org/package/2006/metadata/core-properties"/>
-    <ds:schemaRef ds:uri="21cea1b5-b8b8-49a7-ad55-9815503a2de3"/>
-    <ds:schemaRef ds:uri="http://schemas.microsoft.com/office/2006/metadata/properties"/>
-    <ds:schemaRef ds:uri="http://www.w3.org/XML/1998/namespace"/>
   </ds:schemaRefs>
 </ds:datastoreItem>
 </file>

--- a/bayesian-modelling/1_Estimation.pptx
+++ b/bayesian-modelling/1_Estimation.pptx
@@ -30770,7 +30770,7 @@
         </p:nvSpPr>
         <p:spPr>
           <a:xfrm>
-            <a:off x="220662" y="987425"/>
+            <a:off x="220662" y="1551629"/>
             <a:ext cx="11971338" cy="5517972"/>
           </a:xfrm>
         </p:spPr>
@@ -30838,37 +30838,21 @@
             </a:pPr>
             <a:r>
               <a:rPr lang="en-CA" sz="2400" b="1" dirty="0"/>
-              <a:t>Advanced Topics </a:t>
+              <a:t>Advanced Topics: </a:t>
             </a:r>
             <a:r>
               <a:rPr lang="en-CA" sz="2400" dirty="0"/>
-              <a:t>(if time allows)</a:t>
+              <a:t>Bayesian</a:t>
             </a:r>
             <a:r>
               <a:rPr lang="en-CA" sz="2400" b="1" dirty="0"/>
-              <a:t>: </a:t>
+              <a:t> </a:t>
             </a:r>
-          </a:p>
-          <a:p>
-            <a:pPr lvl="1"/>
             <a:r>
-              <a:rPr lang="en-CA" sz="2400" dirty="0"/>
-              <a:t>Gaussian process regression</a:t>
+              <a:rPr lang="en-US" sz="2400" dirty="0"/>
+              <a:t>Design of Experiment and Optimization</a:t>
             </a:r>
-          </a:p>
-          <a:p>
-            <a:pPr lvl="1"/>
-            <a:r>
-              <a:rPr lang="en-CA" sz="2400" dirty="0"/>
-              <a:t>Bayesian optimization</a:t>
-            </a:r>
-          </a:p>
-          <a:p>
-            <a:pPr lvl="1"/>
-            <a:r>
-              <a:rPr lang="en-CA" sz="2400" dirty="0"/>
-              <a:t>Probabilistic deep learning</a:t>
-            </a:r>
+            <a:endParaRPr lang="en-CA" sz="2400" b="1" dirty="0"/>
           </a:p>
         </p:txBody>
       </p:sp>
@@ -31094,99 +31078,6 @@
                                           <p:spTgt spid="2">
                                             <p:txEl>
                                               <p:pRg st="4" end="4"/>
-                                            </p:txEl>
-                                          </p:spTgt>
-                                        </p:tgtEl>
-                                        <p:attrNameLst>
-                                          <p:attrName>style.visibility</p:attrName>
-                                        </p:attrNameLst>
-                                      </p:cBhvr>
-                                      <p:to>
-                                        <p:strVal val="visible"/>
-                                      </p:to>
-                                    </p:set>
-                                  </p:childTnLst>
-                                </p:cTn>
-                              </p:par>
-                              <p:par>
-                                <p:cTn id="19" presetID="1" presetClass="entr" presetSubtype="0" fill="hold" nodeType="withEffect">
-                                  <p:stCondLst>
-                                    <p:cond delay="0"/>
-                                  </p:stCondLst>
-                                  <p:childTnLst>
-                                    <p:set>
-                                      <p:cBhvr>
-                                        <p:cTn id="20" dur="1" fill="hold">
-                                          <p:stCondLst>
-                                            <p:cond delay="0"/>
-                                          </p:stCondLst>
-                                        </p:cTn>
-                                        <p:tgtEl>
-                                          <p:spTgt spid="2">
-                                            <p:txEl>
-                                              <p:pRg st="5" end="5"/>
-                                            </p:txEl>
-                                          </p:spTgt>
-                                        </p:tgtEl>
-                                        <p:attrNameLst>
-                                          <p:attrName>style.visibility</p:attrName>
-                                        </p:attrNameLst>
-                                      </p:cBhvr>
-                                      <p:to>
-                                        <p:strVal val="visible"/>
-                                      </p:to>
-                                    </p:set>
-                                  </p:childTnLst>
-                                </p:cTn>
-                              </p:par>
-                              <p:par>
-                                <p:cTn id="21" presetID="1" presetClass="entr" presetSubtype="0" fill="hold" nodeType="withEffect">
-                                  <p:stCondLst>
-                                    <p:cond delay="0"/>
-                                  </p:stCondLst>
-                                  <p:childTnLst>
-                                    <p:set>
-                                      <p:cBhvr>
-                                        <p:cTn id="22" dur="1" fill="hold">
-                                          <p:stCondLst>
-                                            <p:cond delay="0"/>
-                                          </p:stCondLst>
-                                        </p:cTn>
-                                        <p:tgtEl>
-                                          <p:spTgt spid="2">
-                                            <p:txEl>
-                                              <p:pRg st="6" end="6"/>
-                                            </p:txEl>
-                                          </p:spTgt>
-                                        </p:tgtEl>
-                                        <p:attrNameLst>
-                                          <p:attrName>style.visibility</p:attrName>
-                                        </p:attrNameLst>
-                                      </p:cBhvr>
-                                      <p:to>
-                                        <p:strVal val="visible"/>
-                                      </p:to>
-                                    </p:set>
-                                  </p:childTnLst>
-                                </p:cTn>
-                              </p:par>
-                              <p:par>
-                                <p:cTn id="23" presetID="1" presetClass="entr" presetSubtype="0" fill="hold" nodeType="withEffect">
-                                  <p:stCondLst>
-                                    <p:cond delay="0"/>
-                                  </p:stCondLst>
-                                  <p:childTnLst>
-                                    <p:set>
-                                      <p:cBhvr>
-                                        <p:cTn id="24" dur="1" fill="hold">
-                                          <p:stCondLst>
-                                            <p:cond delay="0"/>
-                                          </p:stCondLst>
-                                        </p:cTn>
-                                        <p:tgtEl>
-                                          <p:spTgt spid="2">
-                                            <p:txEl>
-                                              <p:pRg st="7" end="7"/>
                                             </p:txEl>
                                           </p:spTgt>
                                         </p:tgtEl>
@@ -33352,6 +33243,15 @@
 </file>
 
 <file path=customXml/item1.xml><?xml version="1.0" encoding="utf-8"?>
+<?mso-contentType ?>
+<FormTemplates xmlns="http://schemas.microsoft.com/sharepoint/v3/contenttype/forms">
+  <Display>DocumentLibraryForm</Display>
+  <Edit>DocumentLibraryForm</Edit>
+  <New>DocumentLibraryForm</New>
+</FormTemplates>
+</file>
+
+<file path=customXml/item2.xml><?xml version="1.0" encoding="utf-8"?>
 <p:properties xmlns:p="http://schemas.microsoft.com/office/2006/metadata/properties" xmlns:xsi="http://www.w3.org/2001/XMLSchema-instance" xmlns:pc="http://schemas.microsoft.com/office/infopath/2007/PartnerControls">
   <documentManagement>
     <TaxCatchAll xmlns="21cea1b5-b8b8-49a7-ad55-9815503a2de3" xsi:nil="true"/>
@@ -33362,7 +33262,7 @@
 </p:properties>
 </file>
 
-<file path=customXml/item2.xml><?xml version="1.0" encoding="utf-8"?>
+<file path=customXml/item3.xml><?xml version="1.0" encoding="utf-8"?>
 <ct:contentTypeSchema xmlns:ct="http://schemas.microsoft.com/office/2006/metadata/contentType" xmlns:ma="http://schemas.microsoft.com/office/2006/metadata/properties/metaAttributes" ct:_="" ma:_="" ma:contentTypeName="문서" ma:contentTypeID="0x0101007917C783DC76484FB8EE4E2E915C826D" ma:contentTypeVersion="14" ma:contentTypeDescription="새 문서를 만듭니다." ma:contentTypeScope="" ma:versionID="5970496cfac6c8ed8dd979ecb5c5ac3e">
   <xsd:schema xmlns:xsd="http://www.w3.org/2001/XMLSchema" xmlns:xs="http://www.w3.org/2001/XMLSchema" xmlns:p="http://schemas.microsoft.com/office/2006/metadata/properties" xmlns:ns2="a777d6bd-13f9-427d-90d8-3493e6e6135a" xmlns:ns3="21cea1b5-b8b8-49a7-ad55-9815503a2de3" targetNamespace="http://schemas.microsoft.com/office/2006/metadata/properties" ma:root="true" ma:fieldsID="b3948081e9c420d0af992ef9601bf8ae" ns2:_="" ns3:_="">
     <xsd:import namespace="a777d6bd-13f9-427d-90d8-3493e6e6135a"/>
@@ -33591,16 +33491,15 @@
 </ct:contentTypeSchema>
 </file>
 
-<file path=customXml/item3.xml><?xml version="1.0" encoding="utf-8"?>
-<?mso-contentType ?>
-<FormTemplates xmlns="http://schemas.microsoft.com/sharepoint/v3/contenttype/forms">
-  <Display>DocumentLibraryForm</Display>
-  <Edit>DocumentLibraryForm</Edit>
-  <New>DocumentLibraryForm</New>
-</FormTemplates>
+<file path=customXml/itemProps1.xml><?xml version="1.0" encoding="utf-8"?>
+<ds:datastoreItem xmlns:ds="http://schemas.openxmlformats.org/officeDocument/2006/customXml" ds:itemID="{D0BCF156-7021-46E7-A8A5-2912D2711101}">
+  <ds:schemaRefs>
+    <ds:schemaRef ds:uri="http://schemas.microsoft.com/sharepoint/v3/contenttype/forms"/>
+  </ds:schemaRefs>
+</ds:datastoreItem>
 </file>
 
-<file path=customXml/itemProps1.xml><?xml version="1.0" encoding="utf-8"?>
+<file path=customXml/itemProps2.xml><?xml version="1.0" encoding="utf-8"?>
 <ds:datastoreItem xmlns:ds="http://schemas.openxmlformats.org/officeDocument/2006/customXml" ds:itemID="{B46BB44E-DDA9-4A4E-8422-24BFBB7878E2}">
   <ds:schemaRefs>
     <ds:schemaRef ds:uri="http://purl.org/dc/elements/1.1/"/>
@@ -33617,7 +33516,7 @@
 </ds:datastoreItem>
 </file>
 
-<file path=customXml/itemProps2.xml><?xml version="1.0" encoding="utf-8"?>
+<file path=customXml/itemProps3.xml><?xml version="1.0" encoding="utf-8"?>
 <ds:datastoreItem xmlns:ds="http://schemas.openxmlformats.org/officeDocument/2006/customXml" ds:itemID="{F75F35C7-3041-4C40-AE9D-9C5AA7725281}">
   <ds:schemaRefs>
     <ds:schemaRef ds:uri="21cea1b5-b8b8-49a7-ad55-9815503a2de3"/>
@@ -33636,14 +33535,6 @@
 </ds:datastoreItem>
 </file>
 
-<file path=customXml/itemProps3.xml><?xml version="1.0" encoding="utf-8"?>
-<ds:datastoreItem xmlns:ds="http://schemas.openxmlformats.org/officeDocument/2006/customXml" ds:itemID="{D0BCF156-7021-46E7-A8A5-2912D2711101}">
-  <ds:schemaRefs>
-    <ds:schemaRef ds:uri="http://schemas.microsoft.com/sharepoint/v3/contenttype/forms"/>
-  </ds:schemaRefs>
-</ds:datastoreItem>
-</file>
-
 <file path=docMetadata/LabelInfo.xml><?xml version="1.0" encoding="utf-8"?>
 <clbl:labelList xmlns:clbl="http://schemas.microsoft.com/office/2020/mipLabelMetadata">
   <clbl:label id="{78aac226-2f03-4b4d-9037-b46d56c55210}" enabled="0" method="" siteId="{78aac226-2f03-4b4d-9037-b46d56c55210}" removed="1"/>

--- a/bayesian-modelling/1_Estimation.pptx
+++ b/bayesian-modelling/1_Estimation.pptx
@@ -182,7 +182,7 @@
 <file path=ppt/revisionInfo.xml><?xml version="1.0" encoding="utf-8"?>
 <p1510:revInfo xmlns:a="http://schemas.openxmlformats.org/drawingml/2006/main" xmlns:r="http://schemas.openxmlformats.org/officeDocument/2006/relationships" xmlns:p1510="http://schemas.microsoft.com/office/powerpoint/2015/10/main">
   <p1510:revLst>
-    <p1510:client id="{AEB4C311-0DAC-7247-B120-49F50BB1C3B1}" v="615" dt="2024-07-16T03:38:40.949"/>
+    <p1510:client id="{8D8FE9D4-8D83-4C9C-A373-491454A0D6B3}" v="77" dt="2025-05-21T00:14:47.113"/>
   </p1510:revLst>
 </p1510:revInfo>
 </file>
@@ -202,14 +202,6 @@
           <pc:docMk/>
           <pc:sldMk cId="3659854408" sldId="402"/>
         </pc:sldMkLst>
-        <pc:spChg chg="mod">
-          <ac:chgData name="Jinyoung Ko" userId="76e4a963-9504-4d56-beee-89ff49c7b1a1" providerId="ADAL" clId="{AEB4C311-0DAC-7247-B120-49F50BB1C3B1}" dt="2024-07-15T03:38:32.203" v="133"/>
-          <ac:spMkLst>
-            <pc:docMk/>
-            <pc:sldMk cId="3659854408" sldId="402"/>
-            <ac:spMk id="20" creationId="{3ABFF919-2302-2F02-43F0-75DEF903F353}"/>
-          </ac:spMkLst>
-        </pc:spChg>
       </pc:sldChg>
       <pc:sldChg chg="modSp mod">
         <pc:chgData name="Jinyoung Ko" userId="76e4a963-9504-4d56-beee-89ff49c7b1a1" providerId="ADAL" clId="{AEB4C311-0DAC-7247-B120-49F50BB1C3B1}" dt="2024-07-15T04:31:49.287" v="235" actId="20577"/>
@@ -217,14 +209,6 @@
           <pc:docMk/>
           <pc:sldMk cId="2862602214" sldId="410"/>
         </pc:sldMkLst>
-        <pc:spChg chg="mod">
-          <ac:chgData name="Jinyoung Ko" userId="76e4a963-9504-4d56-beee-89ff49c7b1a1" providerId="ADAL" clId="{AEB4C311-0DAC-7247-B120-49F50BB1C3B1}" dt="2024-07-15T04:31:49.287" v="235" actId="20577"/>
-          <ac:spMkLst>
-            <pc:docMk/>
-            <pc:sldMk cId="2862602214" sldId="410"/>
-            <ac:spMk id="3" creationId="{5529547D-6AF4-8BF1-EC09-FAE24142D4CF}"/>
-          </ac:spMkLst>
-        </pc:spChg>
       </pc:sldChg>
       <pc:sldChg chg="modSp mod">
         <pc:chgData name="Jinyoung Ko" userId="76e4a963-9504-4d56-beee-89ff49c7b1a1" providerId="ADAL" clId="{AEB4C311-0DAC-7247-B120-49F50BB1C3B1}" dt="2024-07-15T03:31:55.823" v="105" actId="113"/>
@@ -232,14 +216,6 @@
           <pc:docMk/>
           <pc:sldMk cId="3276164734" sldId="411"/>
         </pc:sldMkLst>
-        <pc:spChg chg="mod">
-          <ac:chgData name="Jinyoung Ko" userId="76e4a963-9504-4d56-beee-89ff49c7b1a1" providerId="ADAL" clId="{AEB4C311-0DAC-7247-B120-49F50BB1C3B1}" dt="2024-07-15T03:31:55.823" v="105" actId="113"/>
-          <ac:spMkLst>
-            <pc:docMk/>
-            <pc:sldMk cId="3276164734" sldId="411"/>
-            <ac:spMk id="6" creationId="{0AAE8680-F7A9-A7A0-196C-F7BBBFE9F508}"/>
-          </ac:spMkLst>
-        </pc:spChg>
       </pc:sldChg>
       <pc:sldChg chg="modSp mod modAnim">
         <pc:chgData name="Jinyoung Ko" userId="76e4a963-9504-4d56-beee-89ff49c7b1a1" providerId="ADAL" clId="{AEB4C311-0DAC-7247-B120-49F50BB1C3B1}" dt="2024-07-15T03:39:45.762" v="166" actId="21"/>
@@ -247,14 +223,6 @@
           <pc:docMk/>
           <pc:sldMk cId="3759799584" sldId="417"/>
         </pc:sldMkLst>
-        <pc:spChg chg="mod">
-          <ac:chgData name="Jinyoung Ko" userId="76e4a963-9504-4d56-beee-89ff49c7b1a1" providerId="ADAL" clId="{AEB4C311-0DAC-7247-B120-49F50BB1C3B1}" dt="2024-07-15T03:39:45.762" v="166" actId="21"/>
-          <ac:spMkLst>
-            <pc:docMk/>
-            <pc:sldMk cId="3759799584" sldId="417"/>
-            <ac:spMk id="3" creationId="{5529547D-6AF4-8BF1-EC09-FAE24142D4CF}"/>
-          </ac:spMkLst>
-        </pc:spChg>
       </pc:sldChg>
       <pc:sldChg chg="modSp mod">
         <pc:chgData name="Jinyoung Ko" userId="76e4a963-9504-4d56-beee-89ff49c7b1a1" providerId="ADAL" clId="{AEB4C311-0DAC-7247-B120-49F50BB1C3B1}" dt="2024-07-15T04:41:59.322" v="236" actId="1076"/>
@@ -262,14 +230,6 @@
           <pc:docMk/>
           <pc:sldMk cId="3859718703" sldId="428"/>
         </pc:sldMkLst>
-        <pc:spChg chg="mod">
-          <ac:chgData name="Jinyoung Ko" userId="76e4a963-9504-4d56-beee-89ff49c7b1a1" providerId="ADAL" clId="{AEB4C311-0DAC-7247-B120-49F50BB1C3B1}" dt="2024-07-15T04:41:59.322" v="236" actId="1076"/>
-          <ac:spMkLst>
-            <pc:docMk/>
-            <pc:sldMk cId="3859718703" sldId="428"/>
-            <ac:spMk id="4" creationId="{31DFBD2C-71FA-C262-5594-59B90929A92A}"/>
-          </ac:spMkLst>
-        </pc:spChg>
       </pc:sldChg>
       <pc:sldChg chg="addSp delSp modSp mod delAnim modAnim">
         <pc:chgData name="Jinyoung Ko" userId="76e4a963-9504-4d56-beee-89ff49c7b1a1" providerId="ADAL" clId="{AEB4C311-0DAC-7247-B120-49F50BB1C3B1}" dt="2024-07-16T03:12:14.651" v="919" actId="207"/>
@@ -277,574 +237,6 @@
           <pc:docMk/>
           <pc:sldMk cId="112689511" sldId="431"/>
         </pc:sldMkLst>
-        <pc:spChg chg="mod">
-          <ac:chgData name="Jinyoung Ko" userId="76e4a963-9504-4d56-beee-89ff49c7b1a1" providerId="ADAL" clId="{AEB4C311-0DAC-7247-B120-49F50BB1C3B1}" dt="2024-07-16T02:54:55.107" v="267" actId="20577"/>
-          <ac:spMkLst>
-            <pc:docMk/>
-            <pc:sldMk cId="112689511" sldId="431"/>
-            <ac:spMk id="2" creationId="{4C04AAD6-4F7F-E2B3-6653-E8C9FFB17AFA}"/>
-          </ac:spMkLst>
-        </pc:spChg>
-        <pc:spChg chg="del">
-          <ac:chgData name="Jinyoung Ko" userId="76e4a963-9504-4d56-beee-89ff49c7b1a1" providerId="ADAL" clId="{AEB4C311-0DAC-7247-B120-49F50BB1C3B1}" dt="2024-07-16T02:54:58.276" v="269" actId="21"/>
-          <ac:spMkLst>
-            <pc:docMk/>
-            <pc:sldMk cId="112689511" sldId="431"/>
-            <ac:spMk id="3" creationId="{04A7D01A-1256-124A-7610-6D3BE08824AB}"/>
-          </ac:spMkLst>
-        </pc:spChg>
-        <pc:spChg chg="del">
-          <ac:chgData name="Jinyoung Ko" userId="76e4a963-9504-4d56-beee-89ff49c7b1a1" providerId="ADAL" clId="{AEB4C311-0DAC-7247-B120-49F50BB1C3B1}" dt="2024-07-16T02:54:58.276" v="269" actId="21"/>
-          <ac:spMkLst>
-            <pc:docMk/>
-            <pc:sldMk cId="112689511" sldId="431"/>
-            <ac:spMk id="4" creationId="{E3271BD4-DCA6-1203-7099-82830F8B9397}"/>
-          </ac:spMkLst>
-        </pc:spChg>
-        <pc:spChg chg="add mod">
-          <ac:chgData name="Jinyoung Ko" userId="76e4a963-9504-4d56-beee-89ff49c7b1a1" providerId="ADAL" clId="{AEB4C311-0DAC-7247-B120-49F50BB1C3B1}" dt="2024-07-16T02:56:59.874" v="498" actId="1076"/>
-          <ac:spMkLst>
-            <pc:docMk/>
-            <pc:sldMk cId="112689511" sldId="431"/>
-            <ac:spMk id="5" creationId="{87DF06BD-1F80-78D4-8314-328F871ACA98}"/>
-          </ac:spMkLst>
-        </pc:spChg>
-        <pc:spChg chg="add mod">
-          <ac:chgData name="Jinyoung Ko" userId="76e4a963-9504-4d56-beee-89ff49c7b1a1" providerId="ADAL" clId="{AEB4C311-0DAC-7247-B120-49F50BB1C3B1}" dt="2024-07-16T02:56:59.874" v="498" actId="1076"/>
-          <ac:spMkLst>
-            <pc:docMk/>
-            <pc:sldMk cId="112689511" sldId="431"/>
-            <ac:spMk id="6" creationId="{9BC8E9C8-A2C7-2140-E257-FA9E4742445A}"/>
-          </ac:spMkLst>
-        </pc:spChg>
-        <pc:spChg chg="add mod">
-          <ac:chgData name="Jinyoung Ko" userId="76e4a963-9504-4d56-beee-89ff49c7b1a1" providerId="ADAL" clId="{AEB4C311-0DAC-7247-B120-49F50BB1C3B1}" dt="2024-07-16T02:56:59.874" v="498" actId="1076"/>
-          <ac:spMkLst>
-            <pc:docMk/>
-            <pc:sldMk cId="112689511" sldId="431"/>
-            <ac:spMk id="7" creationId="{8DEF349F-E255-C683-0CE0-15C12D382F1A}"/>
-          </ac:spMkLst>
-        </pc:spChg>
-        <pc:spChg chg="mod">
-          <ac:chgData name="Jinyoung Ko" userId="76e4a963-9504-4d56-beee-89ff49c7b1a1" providerId="ADAL" clId="{AEB4C311-0DAC-7247-B120-49F50BB1C3B1}" dt="2024-07-16T02:55:51.176" v="449" actId="14100"/>
-          <ac:spMkLst>
-            <pc:docMk/>
-            <pc:sldMk cId="112689511" sldId="431"/>
-            <ac:spMk id="8" creationId="{FEDF4F07-4110-032B-18C0-10BE1FD36EAC}"/>
-          </ac:spMkLst>
-        </pc:spChg>
-        <pc:spChg chg="add mod">
-          <ac:chgData name="Jinyoung Ko" userId="76e4a963-9504-4d56-beee-89ff49c7b1a1" providerId="ADAL" clId="{AEB4C311-0DAC-7247-B120-49F50BB1C3B1}" dt="2024-07-16T02:56:59.874" v="498" actId="1076"/>
-          <ac:spMkLst>
-            <pc:docMk/>
-            <pc:sldMk cId="112689511" sldId="431"/>
-            <ac:spMk id="9" creationId="{D495E0B3-8563-FBFD-E749-66985E2454D8}"/>
-          </ac:spMkLst>
-        </pc:spChg>
-        <pc:spChg chg="del">
-          <ac:chgData name="Jinyoung Ko" userId="76e4a963-9504-4d56-beee-89ff49c7b1a1" providerId="ADAL" clId="{AEB4C311-0DAC-7247-B120-49F50BB1C3B1}" dt="2024-07-16T02:54:58.276" v="269" actId="21"/>
-          <ac:spMkLst>
-            <pc:docMk/>
-            <pc:sldMk cId="112689511" sldId="431"/>
-            <ac:spMk id="17" creationId="{356BBB2E-3F32-9FBD-8FA6-EF136A553B12}"/>
-          </ac:spMkLst>
-        </pc:spChg>
-        <pc:spChg chg="del">
-          <ac:chgData name="Jinyoung Ko" userId="76e4a963-9504-4d56-beee-89ff49c7b1a1" providerId="ADAL" clId="{AEB4C311-0DAC-7247-B120-49F50BB1C3B1}" dt="2024-07-16T02:54:58.276" v="269" actId="21"/>
-          <ac:spMkLst>
-            <pc:docMk/>
-            <pc:sldMk cId="112689511" sldId="431"/>
-            <ac:spMk id="21" creationId="{08D3B83C-CEDF-9D6D-0BC0-075ED73E65F0}"/>
-          </ac:spMkLst>
-        </pc:spChg>
-        <pc:spChg chg="add mod">
-          <ac:chgData name="Jinyoung Ko" userId="76e4a963-9504-4d56-beee-89ff49c7b1a1" providerId="ADAL" clId="{AEB4C311-0DAC-7247-B120-49F50BB1C3B1}" dt="2024-07-16T03:08:53.853" v="840" actId="1076"/>
-          <ac:spMkLst>
-            <pc:docMk/>
-            <pc:sldMk cId="112689511" sldId="431"/>
-            <ac:spMk id="26" creationId="{719972A0-9C8E-9D0C-D5D0-882478D4196C}"/>
-          </ac:spMkLst>
-        </pc:spChg>
-        <pc:spChg chg="add del mod">
-          <ac:chgData name="Jinyoung Ko" userId="76e4a963-9504-4d56-beee-89ff49c7b1a1" providerId="ADAL" clId="{AEB4C311-0DAC-7247-B120-49F50BB1C3B1}" dt="2024-07-16T03:08:19.776" v="830" actId="1076"/>
-          <ac:spMkLst>
-            <pc:docMk/>
-            <pc:sldMk cId="112689511" sldId="431"/>
-            <ac:spMk id="28" creationId="{5843B9B5-BBA7-8F53-746A-74FE61D95D73}"/>
-          </ac:spMkLst>
-        </pc:spChg>
-        <pc:spChg chg="add del mod">
-          <ac:chgData name="Jinyoung Ko" userId="76e4a963-9504-4d56-beee-89ff49c7b1a1" providerId="ADAL" clId="{AEB4C311-0DAC-7247-B120-49F50BB1C3B1}" dt="2024-07-16T03:08:19.776" v="830" actId="1076"/>
-          <ac:spMkLst>
-            <pc:docMk/>
-            <pc:sldMk cId="112689511" sldId="431"/>
-            <ac:spMk id="29" creationId="{B6933671-403F-A39F-EBAA-4E9A5E631C54}"/>
-          </ac:spMkLst>
-        </pc:spChg>
-        <pc:spChg chg="add mod">
-          <ac:chgData name="Jinyoung Ko" userId="76e4a963-9504-4d56-beee-89ff49c7b1a1" providerId="ADAL" clId="{AEB4C311-0DAC-7247-B120-49F50BB1C3B1}" dt="2024-07-16T03:08:19.776" v="830" actId="1076"/>
-          <ac:spMkLst>
-            <pc:docMk/>
-            <pc:sldMk cId="112689511" sldId="431"/>
-            <ac:spMk id="30" creationId="{A1545AE6-7D13-349C-4F57-80579408E79D}"/>
-          </ac:spMkLst>
-        </pc:spChg>
-        <pc:spChg chg="add mod">
-          <ac:chgData name="Jinyoung Ko" userId="76e4a963-9504-4d56-beee-89ff49c7b1a1" providerId="ADAL" clId="{AEB4C311-0DAC-7247-B120-49F50BB1C3B1}" dt="2024-07-16T03:08:19.776" v="830" actId="1076"/>
-          <ac:spMkLst>
-            <pc:docMk/>
-            <pc:sldMk cId="112689511" sldId="431"/>
-            <ac:spMk id="31" creationId="{8018B00A-9F97-3A41-0741-80895AE55719}"/>
-          </ac:spMkLst>
-        </pc:spChg>
-        <pc:spChg chg="add mod">
-          <ac:chgData name="Jinyoung Ko" userId="76e4a963-9504-4d56-beee-89ff49c7b1a1" providerId="ADAL" clId="{AEB4C311-0DAC-7247-B120-49F50BB1C3B1}" dt="2024-07-16T03:08:19.776" v="830" actId="1076"/>
-          <ac:spMkLst>
-            <pc:docMk/>
-            <pc:sldMk cId="112689511" sldId="431"/>
-            <ac:spMk id="32" creationId="{35D6D33A-05BB-E651-3BE6-C2CA6FC2E3A9}"/>
-          </ac:spMkLst>
-        </pc:spChg>
-        <pc:spChg chg="add mod">
-          <ac:chgData name="Jinyoung Ko" userId="76e4a963-9504-4d56-beee-89ff49c7b1a1" providerId="ADAL" clId="{AEB4C311-0DAC-7247-B120-49F50BB1C3B1}" dt="2024-07-16T03:08:23.798" v="831" actId="1076"/>
-          <ac:spMkLst>
-            <pc:docMk/>
-            <pc:sldMk cId="112689511" sldId="431"/>
-            <ac:spMk id="36" creationId="{1CDBBA8A-D454-D1EE-E29A-B24CD0841C24}"/>
-          </ac:spMkLst>
-        </pc:spChg>
-        <pc:spChg chg="add mod">
-          <ac:chgData name="Jinyoung Ko" userId="76e4a963-9504-4d56-beee-89ff49c7b1a1" providerId="ADAL" clId="{AEB4C311-0DAC-7247-B120-49F50BB1C3B1}" dt="2024-07-16T03:08:23.798" v="831" actId="1076"/>
-          <ac:spMkLst>
-            <pc:docMk/>
-            <pc:sldMk cId="112689511" sldId="431"/>
-            <ac:spMk id="37" creationId="{4C93018E-C591-3D88-84E8-E8D3E1C52F45}"/>
-          </ac:spMkLst>
-        </pc:spChg>
-        <pc:spChg chg="add mod">
-          <ac:chgData name="Jinyoung Ko" userId="76e4a963-9504-4d56-beee-89ff49c7b1a1" providerId="ADAL" clId="{AEB4C311-0DAC-7247-B120-49F50BB1C3B1}" dt="2024-07-16T03:08:23.798" v="831" actId="1076"/>
-          <ac:spMkLst>
-            <pc:docMk/>
-            <pc:sldMk cId="112689511" sldId="431"/>
-            <ac:spMk id="38" creationId="{83EFA230-62B6-7EA9-1A65-8E59519820D9}"/>
-          </ac:spMkLst>
-        </pc:spChg>
-        <pc:spChg chg="add mod">
-          <ac:chgData name="Jinyoung Ko" userId="76e4a963-9504-4d56-beee-89ff49c7b1a1" providerId="ADAL" clId="{AEB4C311-0DAC-7247-B120-49F50BB1C3B1}" dt="2024-07-16T03:08:23.798" v="831" actId="1076"/>
-          <ac:spMkLst>
-            <pc:docMk/>
-            <pc:sldMk cId="112689511" sldId="431"/>
-            <ac:spMk id="39" creationId="{CE1D163D-4077-BA78-B804-F8489B7B9CFB}"/>
-          </ac:spMkLst>
-        </pc:spChg>
-        <pc:spChg chg="add mod">
-          <ac:chgData name="Jinyoung Ko" userId="76e4a963-9504-4d56-beee-89ff49c7b1a1" providerId="ADAL" clId="{AEB4C311-0DAC-7247-B120-49F50BB1C3B1}" dt="2024-07-16T03:08:23.798" v="831" actId="1076"/>
-          <ac:spMkLst>
-            <pc:docMk/>
-            <pc:sldMk cId="112689511" sldId="431"/>
-            <ac:spMk id="58" creationId="{EADBF6AD-49B7-E5F0-C180-CE38DD14007A}"/>
-          </ac:spMkLst>
-        </pc:spChg>
-        <pc:spChg chg="add mod">
-          <ac:chgData name="Jinyoung Ko" userId="76e4a963-9504-4d56-beee-89ff49c7b1a1" providerId="ADAL" clId="{AEB4C311-0DAC-7247-B120-49F50BB1C3B1}" dt="2024-07-16T03:08:23.798" v="831" actId="1076"/>
-          <ac:spMkLst>
-            <pc:docMk/>
-            <pc:sldMk cId="112689511" sldId="431"/>
-            <ac:spMk id="59" creationId="{A7E5CB4F-0A8E-6EE2-E8C1-578951610A00}"/>
-          </ac:spMkLst>
-        </pc:spChg>
-        <pc:spChg chg="add mod">
-          <ac:chgData name="Jinyoung Ko" userId="76e4a963-9504-4d56-beee-89ff49c7b1a1" providerId="ADAL" clId="{AEB4C311-0DAC-7247-B120-49F50BB1C3B1}" dt="2024-07-16T03:08:23.798" v="831" actId="1076"/>
-          <ac:spMkLst>
-            <pc:docMk/>
-            <pc:sldMk cId="112689511" sldId="431"/>
-            <ac:spMk id="60" creationId="{698F4427-91C3-DD36-3F99-7DABA11A61F4}"/>
-          </ac:spMkLst>
-        </pc:spChg>
-        <pc:spChg chg="add mod">
-          <ac:chgData name="Jinyoung Ko" userId="76e4a963-9504-4d56-beee-89ff49c7b1a1" providerId="ADAL" clId="{AEB4C311-0DAC-7247-B120-49F50BB1C3B1}" dt="2024-07-16T03:08:23.798" v="831" actId="1076"/>
-          <ac:spMkLst>
-            <pc:docMk/>
-            <pc:sldMk cId="112689511" sldId="431"/>
-            <ac:spMk id="61" creationId="{CCE78953-CCBA-290A-7EEB-946125A631D0}"/>
-          </ac:spMkLst>
-        </pc:spChg>
-        <pc:spChg chg="add mod">
-          <ac:chgData name="Jinyoung Ko" userId="76e4a963-9504-4d56-beee-89ff49c7b1a1" providerId="ADAL" clId="{AEB4C311-0DAC-7247-B120-49F50BB1C3B1}" dt="2024-07-16T03:08:19.776" v="830" actId="1076"/>
-          <ac:spMkLst>
-            <pc:docMk/>
-            <pc:sldMk cId="112689511" sldId="431"/>
-            <ac:spMk id="68" creationId="{DF02D879-9DF1-8556-0BE0-E8850D50718C}"/>
-          </ac:spMkLst>
-        </pc:spChg>
-        <pc:spChg chg="add mod">
-          <ac:chgData name="Jinyoung Ko" userId="76e4a963-9504-4d56-beee-89ff49c7b1a1" providerId="ADAL" clId="{AEB4C311-0DAC-7247-B120-49F50BB1C3B1}" dt="2024-07-16T03:08:23.798" v="831" actId="1076"/>
-          <ac:spMkLst>
-            <pc:docMk/>
-            <pc:sldMk cId="112689511" sldId="431"/>
-            <ac:spMk id="69" creationId="{4BFCF125-0DF1-F920-C82C-EF751383EF6B}"/>
-          </ac:spMkLst>
-        </pc:spChg>
-        <pc:spChg chg="add mod">
-          <ac:chgData name="Jinyoung Ko" userId="76e4a963-9504-4d56-beee-89ff49c7b1a1" providerId="ADAL" clId="{AEB4C311-0DAC-7247-B120-49F50BB1C3B1}" dt="2024-07-16T03:08:23.798" v="831" actId="1076"/>
-          <ac:spMkLst>
-            <pc:docMk/>
-            <pc:sldMk cId="112689511" sldId="431"/>
-            <ac:spMk id="70" creationId="{0860617D-69CB-A125-06A5-786EDB65B594}"/>
-          </ac:spMkLst>
-        </pc:spChg>
-        <pc:spChg chg="add mod">
-          <ac:chgData name="Jinyoung Ko" userId="76e4a963-9504-4d56-beee-89ff49c7b1a1" providerId="ADAL" clId="{AEB4C311-0DAC-7247-B120-49F50BB1C3B1}" dt="2024-07-16T03:08:23.798" v="831" actId="1076"/>
-          <ac:spMkLst>
-            <pc:docMk/>
-            <pc:sldMk cId="112689511" sldId="431"/>
-            <ac:spMk id="71" creationId="{F21C8756-45EA-7410-3A97-CEC4269776AB}"/>
-          </ac:spMkLst>
-        </pc:spChg>
-        <pc:spChg chg="add mod">
-          <ac:chgData name="Jinyoung Ko" userId="76e4a963-9504-4d56-beee-89ff49c7b1a1" providerId="ADAL" clId="{AEB4C311-0DAC-7247-B120-49F50BB1C3B1}" dt="2024-07-16T03:08:23.798" v="831" actId="1076"/>
-          <ac:spMkLst>
-            <pc:docMk/>
-            <pc:sldMk cId="112689511" sldId="431"/>
-            <ac:spMk id="72" creationId="{7493C7F2-294A-A62A-181E-19ED4D2B2FA1}"/>
-          </ac:spMkLst>
-        </pc:spChg>
-        <pc:spChg chg="add mod">
-          <ac:chgData name="Jinyoung Ko" userId="76e4a963-9504-4d56-beee-89ff49c7b1a1" providerId="ADAL" clId="{AEB4C311-0DAC-7247-B120-49F50BB1C3B1}" dt="2024-07-16T03:08:23.798" v="831" actId="1076"/>
-          <ac:spMkLst>
-            <pc:docMk/>
-            <pc:sldMk cId="112689511" sldId="431"/>
-            <ac:spMk id="78" creationId="{45BA4B6B-47A7-B43E-CA01-05776BB25951}"/>
-          </ac:spMkLst>
-        </pc:spChg>
-        <pc:spChg chg="add mod">
-          <ac:chgData name="Jinyoung Ko" userId="76e4a963-9504-4d56-beee-89ff49c7b1a1" providerId="ADAL" clId="{AEB4C311-0DAC-7247-B120-49F50BB1C3B1}" dt="2024-07-16T03:08:23.798" v="831" actId="1076"/>
-          <ac:spMkLst>
-            <pc:docMk/>
-            <pc:sldMk cId="112689511" sldId="431"/>
-            <ac:spMk id="79" creationId="{1D4AD087-1BF7-7895-76BB-03D143FF95F2}"/>
-          </ac:spMkLst>
-        </pc:spChg>
-        <pc:spChg chg="add mod">
-          <ac:chgData name="Jinyoung Ko" userId="76e4a963-9504-4d56-beee-89ff49c7b1a1" providerId="ADAL" clId="{AEB4C311-0DAC-7247-B120-49F50BB1C3B1}" dt="2024-07-16T03:08:23.798" v="831" actId="1076"/>
-          <ac:spMkLst>
-            <pc:docMk/>
-            <pc:sldMk cId="112689511" sldId="431"/>
-            <ac:spMk id="80" creationId="{F65DE12A-8E1E-E5B2-4FE9-1029039C472E}"/>
-          </ac:spMkLst>
-        </pc:spChg>
-        <pc:spChg chg="add mod">
-          <ac:chgData name="Jinyoung Ko" userId="76e4a963-9504-4d56-beee-89ff49c7b1a1" providerId="ADAL" clId="{AEB4C311-0DAC-7247-B120-49F50BB1C3B1}" dt="2024-07-16T03:08:23.798" v="831" actId="1076"/>
-          <ac:spMkLst>
-            <pc:docMk/>
-            <pc:sldMk cId="112689511" sldId="431"/>
-            <ac:spMk id="81" creationId="{A73D1FC5-8CA6-717D-A7B5-1FFAB05A2384}"/>
-          </ac:spMkLst>
-        </pc:spChg>
-        <pc:spChg chg="add mod">
-          <ac:chgData name="Jinyoung Ko" userId="76e4a963-9504-4d56-beee-89ff49c7b1a1" providerId="ADAL" clId="{AEB4C311-0DAC-7247-B120-49F50BB1C3B1}" dt="2024-07-16T03:08:19.776" v="830" actId="1076"/>
-          <ac:spMkLst>
-            <pc:docMk/>
-            <pc:sldMk cId="112689511" sldId="431"/>
-            <ac:spMk id="85" creationId="{83F69F06-02C3-92D4-15B2-E4ECC276E324}"/>
-          </ac:spMkLst>
-        </pc:spChg>
-        <pc:spChg chg="add mod">
-          <ac:chgData name="Jinyoung Ko" userId="76e4a963-9504-4d56-beee-89ff49c7b1a1" providerId="ADAL" clId="{AEB4C311-0DAC-7247-B120-49F50BB1C3B1}" dt="2024-07-16T03:08:23.798" v="831" actId="1076"/>
-          <ac:spMkLst>
-            <pc:docMk/>
-            <pc:sldMk cId="112689511" sldId="431"/>
-            <ac:spMk id="86" creationId="{B798ABCC-4532-672B-ABA6-B70B676E7B52}"/>
-          </ac:spMkLst>
-        </pc:spChg>
-        <pc:spChg chg="add mod">
-          <ac:chgData name="Jinyoung Ko" userId="76e4a963-9504-4d56-beee-89ff49c7b1a1" providerId="ADAL" clId="{AEB4C311-0DAC-7247-B120-49F50BB1C3B1}" dt="2024-07-16T03:08:23.798" v="831" actId="1076"/>
-          <ac:spMkLst>
-            <pc:docMk/>
-            <pc:sldMk cId="112689511" sldId="431"/>
-            <ac:spMk id="87" creationId="{CE1753CC-2485-D578-460D-EC7EC071DB50}"/>
-          </ac:spMkLst>
-        </pc:spChg>
-        <pc:spChg chg="add mod">
-          <ac:chgData name="Jinyoung Ko" userId="76e4a963-9504-4d56-beee-89ff49c7b1a1" providerId="ADAL" clId="{AEB4C311-0DAC-7247-B120-49F50BB1C3B1}" dt="2024-07-16T03:08:23.798" v="831" actId="1076"/>
-          <ac:spMkLst>
-            <pc:docMk/>
-            <pc:sldMk cId="112689511" sldId="431"/>
-            <ac:spMk id="88" creationId="{3400D9FC-467A-EFBD-2332-D9D7BE795141}"/>
-          </ac:spMkLst>
-        </pc:spChg>
-        <pc:spChg chg="add mod">
-          <ac:chgData name="Jinyoung Ko" userId="76e4a963-9504-4d56-beee-89ff49c7b1a1" providerId="ADAL" clId="{AEB4C311-0DAC-7247-B120-49F50BB1C3B1}" dt="2024-07-16T03:08:19.776" v="830" actId="1076"/>
-          <ac:spMkLst>
-            <pc:docMk/>
-            <pc:sldMk cId="112689511" sldId="431"/>
-            <ac:spMk id="89" creationId="{11926F5F-1C76-EECD-CE2B-B219ECE2A5F8}"/>
-          </ac:spMkLst>
-        </pc:spChg>
-        <pc:spChg chg="add mod">
-          <ac:chgData name="Jinyoung Ko" userId="76e4a963-9504-4d56-beee-89ff49c7b1a1" providerId="ADAL" clId="{AEB4C311-0DAC-7247-B120-49F50BB1C3B1}" dt="2024-07-16T03:08:19.776" v="830" actId="1076"/>
-          <ac:spMkLst>
-            <pc:docMk/>
-            <pc:sldMk cId="112689511" sldId="431"/>
-            <ac:spMk id="90" creationId="{661E7C0C-BF0D-5F2D-2BE3-012E6E7BB88E}"/>
-          </ac:spMkLst>
-        </pc:spChg>
-        <pc:spChg chg="add mod">
-          <ac:chgData name="Jinyoung Ko" userId="76e4a963-9504-4d56-beee-89ff49c7b1a1" providerId="ADAL" clId="{AEB4C311-0DAC-7247-B120-49F50BB1C3B1}" dt="2024-07-16T03:08:53.853" v="840" actId="1076"/>
-          <ac:spMkLst>
-            <pc:docMk/>
-            <pc:sldMk cId="112689511" sldId="431"/>
-            <ac:spMk id="91" creationId="{3B6781AA-8194-9A68-DB4C-2B7A5A27B513}"/>
-          </ac:spMkLst>
-        </pc:spChg>
-        <pc:spChg chg="add mod">
-          <ac:chgData name="Jinyoung Ko" userId="76e4a963-9504-4d56-beee-89ff49c7b1a1" providerId="ADAL" clId="{AEB4C311-0DAC-7247-B120-49F50BB1C3B1}" dt="2024-07-16T03:08:59.948" v="842" actId="14100"/>
-          <ac:spMkLst>
-            <pc:docMk/>
-            <pc:sldMk cId="112689511" sldId="431"/>
-            <ac:spMk id="92" creationId="{06F716C9-94D1-6297-EBC7-C70662F29BBC}"/>
-          </ac:spMkLst>
-        </pc:spChg>
-        <pc:spChg chg="add mod">
-          <ac:chgData name="Jinyoung Ko" userId="76e4a963-9504-4d56-beee-89ff49c7b1a1" providerId="ADAL" clId="{AEB4C311-0DAC-7247-B120-49F50BB1C3B1}" dt="2024-07-16T03:12:14.651" v="919" actId="207"/>
-          <ac:spMkLst>
-            <pc:docMk/>
-            <pc:sldMk cId="112689511" sldId="431"/>
-            <ac:spMk id="93" creationId="{DB895DA6-74CE-9727-919F-9B4E0BE6E20E}"/>
-          </ac:spMkLst>
-        </pc:spChg>
-        <pc:picChg chg="del">
-          <ac:chgData name="Jinyoung Ko" userId="76e4a963-9504-4d56-beee-89ff49c7b1a1" providerId="ADAL" clId="{AEB4C311-0DAC-7247-B120-49F50BB1C3B1}" dt="2024-07-16T02:54:58.276" v="269" actId="21"/>
-          <ac:picMkLst>
-            <pc:docMk/>
-            <pc:sldMk cId="112689511" sldId="431"/>
-            <ac:picMk id="11" creationId="{94D32D9A-8D1F-2052-DF67-C3EF5E9DF0C0}"/>
-          </ac:picMkLst>
-        </pc:picChg>
-        <pc:picChg chg="del">
-          <ac:chgData name="Jinyoung Ko" userId="76e4a963-9504-4d56-beee-89ff49c7b1a1" providerId="ADAL" clId="{AEB4C311-0DAC-7247-B120-49F50BB1C3B1}" dt="2024-07-16T02:54:58.276" v="269" actId="21"/>
-          <ac:picMkLst>
-            <pc:docMk/>
-            <pc:sldMk cId="112689511" sldId="431"/>
-            <ac:picMk id="12" creationId="{7CF27F23-C41E-3A7F-416A-2A9BBBF2572A}"/>
-          </ac:picMkLst>
-        </pc:picChg>
-        <pc:picChg chg="del">
-          <ac:chgData name="Jinyoung Ko" userId="76e4a963-9504-4d56-beee-89ff49c7b1a1" providerId="ADAL" clId="{AEB4C311-0DAC-7247-B120-49F50BB1C3B1}" dt="2024-07-16T02:54:58.276" v="269" actId="21"/>
-          <ac:picMkLst>
-            <pc:docMk/>
-            <pc:sldMk cId="112689511" sldId="431"/>
-            <ac:picMk id="13" creationId="{4A0F7C17-7F5E-D0DC-D176-2BE9852AF6AB}"/>
-          </ac:picMkLst>
-        </pc:picChg>
-        <pc:picChg chg="del">
-          <ac:chgData name="Jinyoung Ko" userId="76e4a963-9504-4d56-beee-89ff49c7b1a1" providerId="ADAL" clId="{AEB4C311-0DAC-7247-B120-49F50BB1C3B1}" dt="2024-07-16T02:54:56.637" v="268" actId="21"/>
-          <ac:picMkLst>
-            <pc:docMk/>
-            <pc:sldMk cId="112689511" sldId="431"/>
-            <ac:picMk id="15" creationId="{041B8C6E-5FAC-42B3-63F5-31C714E1E5F5}"/>
-          </ac:picMkLst>
-        </pc:picChg>
-        <pc:picChg chg="add del mod">
-          <ac:chgData name="Jinyoung Ko" userId="76e4a963-9504-4d56-beee-89ff49c7b1a1" providerId="ADAL" clId="{AEB4C311-0DAC-7247-B120-49F50BB1C3B1}" dt="2024-07-16T03:04:04.529" v="761" actId="21"/>
-          <ac:picMkLst>
-            <pc:docMk/>
-            <pc:sldMk cId="112689511" sldId="431"/>
-            <ac:picMk id="27" creationId="{E4D954E3-C5DB-D3E8-930D-9403E8063383}"/>
-          </ac:picMkLst>
-        </pc:picChg>
-        <pc:cxnChg chg="add mod">
-          <ac:chgData name="Jinyoung Ko" userId="76e4a963-9504-4d56-beee-89ff49c7b1a1" providerId="ADAL" clId="{AEB4C311-0DAC-7247-B120-49F50BB1C3B1}" dt="2024-07-16T02:56:59.874" v="498" actId="1076"/>
-          <ac:cxnSpMkLst>
-            <pc:docMk/>
-            <pc:sldMk cId="112689511" sldId="431"/>
-            <ac:cxnSpMk id="14" creationId="{BCC59EA2-CCCD-70C4-8F88-C4DB8D8682CE}"/>
-          </ac:cxnSpMkLst>
-        </pc:cxnChg>
-        <pc:cxnChg chg="add mod">
-          <ac:chgData name="Jinyoung Ko" userId="76e4a963-9504-4d56-beee-89ff49c7b1a1" providerId="ADAL" clId="{AEB4C311-0DAC-7247-B120-49F50BB1C3B1}" dt="2024-07-16T02:56:59.874" v="498" actId="1076"/>
-          <ac:cxnSpMkLst>
-            <pc:docMk/>
-            <pc:sldMk cId="112689511" sldId="431"/>
-            <ac:cxnSpMk id="16" creationId="{E6B932E4-CDD0-42CC-3491-0033E83CDC1C}"/>
-          </ac:cxnSpMkLst>
-        </pc:cxnChg>
-        <pc:cxnChg chg="add mod">
-          <ac:chgData name="Jinyoung Ko" userId="76e4a963-9504-4d56-beee-89ff49c7b1a1" providerId="ADAL" clId="{AEB4C311-0DAC-7247-B120-49F50BB1C3B1}" dt="2024-07-16T02:56:59.874" v="498" actId="1076"/>
-          <ac:cxnSpMkLst>
-            <pc:docMk/>
-            <pc:sldMk cId="112689511" sldId="431"/>
-            <ac:cxnSpMk id="20" creationId="{5DDFDD36-59D2-E63E-AC3E-2FE940EBCE08}"/>
-          </ac:cxnSpMkLst>
-        </pc:cxnChg>
-        <pc:cxnChg chg="add del mod">
-          <ac:chgData name="Jinyoung Ko" userId="76e4a963-9504-4d56-beee-89ff49c7b1a1" providerId="ADAL" clId="{AEB4C311-0DAC-7247-B120-49F50BB1C3B1}" dt="2024-07-16T02:57:26.125" v="508" actId="21"/>
-          <ac:cxnSpMkLst>
-            <pc:docMk/>
-            <pc:sldMk cId="112689511" sldId="431"/>
-            <ac:cxnSpMk id="25" creationId="{EF0F6329-AD34-62FE-2E46-8407BBAEB7A8}"/>
-          </ac:cxnSpMkLst>
-        </pc:cxnChg>
-        <pc:cxnChg chg="add mod">
-          <ac:chgData name="Jinyoung Ko" userId="76e4a963-9504-4d56-beee-89ff49c7b1a1" providerId="ADAL" clId="{AEB4C311-0DAC-7247-B120-49F50BB1C3B1}" dt="2024-07-16T03:08:23.798" v="831" actId="1076"/>
-          <ac:cxnSpMkLst>
-            <pc:docMk/>
-            <pc:sldMk cId="112689511" sldId="431"/>
-            <ac:cxnSpMk id="41" creationId="{E0B3B92F-73A2-CB4F-8441-C07551F5ECCC}"/>
-          </ac:cxnSpMkLst>
-        </pc:cxnChg>
-        <pc:cxnChg chg="add mod">
-          <ac:chgData name="Jinyoung Ko" userId="76e4a963-9504-4d56-beee-89ff49c7b1a1" providerId="ADAL" clId="{AEB4C311-0DAC-7247-B120-49F50BB1C3B1}" dt="2024-07-16T03:08:23.798" v="831" actId="1076"/>
-          <ac:cxnSpMkLst>
-            <pc:docMk/>
-            <pc:sldMk cId="112689511" sldId="431"/>
-            <ac:cxnSpMk id="43" creationId="{68AF5A91-53C7-DAFA-B29D-36A1D9F158EC}"/>
-          </ac:cxnSpMkLst>
-        </pc:cxnChg>
-        <pc:cxnChg chg="add mod">
-          <ac:chgData name="Jinyoung Ko" userId="76e4a963-9504-4d56-beee-89ff49c7b1a1" providerId="ADAL" clId="{AEB4C311-0DAC-7247-B120-49F50BB1C3B1}" dt="2024-07-16T03:08:23.798" v="831" actId="1076"/>
-          <ac:cxnSpMkLst>
-            <pc:docMk/>
-            <pc:sldMk cId="112689511" sldId="431"/>
-            <ac:cxnSpMk id="46" creationId="{C348E2EA-691F-2C84-C08D-667594B8F520}"/>
-          </ac:cxnSpMkLst>
-        </pc:cxnChg>
-        <pc:cxnChg chg="add mod">
-          <ac:chgData name="Jinyoung Ko" userId="76e4a963-9504-4d56-beee-89ff49c7b1a1" providerId="ADAL" clId="{AEB4C311-0DAC-7247-B120-49F50BB1C3B1}" dt="2024-07-16T03:08:23.798" v="831" actId="1076"/>
-          <ac:cxnSpMkLst>
-            <pc:docMk/>
-            <pc:sldMk cId="112689511" sldId="431"/>
-            <ac:cxnSpMk id="49" creationId="{E262EEB0-DF86-BEF5-C51F-D5C0071C768E}"/>
-          </ac:cxnSpMkLst>
-        </pc:cxnChg>
-        <pc:cxnChg chg="add mod">
-          <ac:chgData name="Jinyoung Ko" userId="76e4a963-9504-4d56-beee-89ff49c7b1a1" providerId="ADAL" clId="{AEB4C311-0DAC-7247-B120-49F50BB1C3B1}" dt="2024-07-16T03:08:23.798" v="831" actId="1076"/>
-          <ac:cxnSpMkLst>
-            <pc:docMk/>
-            <pc:sldMk cId="112689511" sldId="431"/>
-            <ac:cxnSpMk id="52" creationId="{3E6450DC-76BE-BAA3-987F-FBB68C3F4697}"/>
-          </ac:cxnSpMkLst>
-        </pc:cxnChg>
-        <pc:cxnChg chg="add mod">
-          <ac:chgData name="Jinyoung Ko" userId="76e4a963-9504-4d56-beee-89ff49c7b1a1" providerId="ADAL" clId="{AEB4C311-0DAC-7247-B120-49F50BB1C3B1}" dt="2024-07-16T03:08:23.798" v="831" actId="1076"/>
-          <ac:cxnSpMkLst>
-            <pc:docMk/>
-            <pc:sldMk cId="112689511" sldId="431"/>
-            <ac:cxnSpMk id="55" creationId="{839650CB-8E52-F562-F4EA-37415809F67F}"/>
-          </ac:cxnSpMkLst>
-        </pc:cxnChg>
-        <pc:cxnChg chg="add mod">
-          <ac:chgData name="Jinyoung Ko" userId="76e4a963-9504-4d56-beee-89ff49c7b1a1" providerId="ADAL" clId="{AEB4C311-0DAC-7247-B120-49F50BB1C3B1}" dt="2024-07-16T03:08:23.798" v="831" actId="1076"/>
-          <ac:cxnSpMkLst>
-            <pc:docMk/>
-            <pc:sldMk cId="112689511" sldId="431"/>
-            <ac:cxnSpMk id="62" creationId="{FAF61BA0-F927-F976-6BBB-56E3162D4746}"/>
-          </ac:cxnSpMkLst>
-        </pc:cxnChg>
-        <pc:cxnChg chg="add del mod">
-          <ac:chgData name="Jinyoung Ko" userId="76e4a963-9504-4d56-beee-89ff49c7b1a1" providerId="ADAL" clId="{AEB4C311-0DAC-7247-B120-49F50BB1C3B1}" dt="2024-07-16T03:03:03.607" v="734" actId="21"/>
-          <ac:cxnSpMkLst>
-            <pc:docMk/>
-            <pc:sldMk cId="112689511" sldId="431"/>
-            <ac:cxnSpMk id="63" creationId="{9396E631-5E56-B0F9-949F-3FB2117219B6}"/>
-          </ac:cxnSpMkLst>
-        </pc:cxnChg>
-        <pc:cxnChg chg="add mod">
-          <ac:chgData name="Jinyoung Ko" userId="76e4a963-9504-4d56-beee-89ff49c7b1a1" providerId="ADAL" clId="{AEB4C311-0DAC-7247-B120-49F50BB1C3B1}" dt="2024-07-16T03:08:23.798" v="831" actId="1076"/>
-          <ac:cxnSpMkLst>
-            <pc:docMk/>
-            <pc:sldMk cId="112689511" sldId="431"/>
-            <ac:cxnSpMk id="64" creationId="{414E0ACB-03AF-94F3-EC43-91A28C062E90}"/>
-          </ac:cxnSpMkLst>
-        </pc:cxnChg>
-        <pc:cxnChg chg="add mod">
-          <ac:chgData name="Jinyoung Ko" userId="76e4a963-9504-4d56-beee-89ff49c7b1a1" providerId="ADAL" clId="{AEB4C311-0DAC-7247-B120-49F50BB1C3B1}" dt="2024-07-16T03:08:23.798" v="831" actId="1076"/>
-          <ac:cxnSpMkLst>
-            <pc:docMk/>
-            <pc:sldMk cId="112689511" sldId="431"/>
-            <ac:cxnSpMk id="65" creationId="{B85241E1-7702-5BDD-CB5C-4B8916CD8C53}"/>
-          </ac:cxnSpMkLst>
-        </pc:cxnChg>
-        <pc:cxnChg chg="add mod">
-          <ac:chgData name="Jinyoung Ko" userId="76e4a963-9504-4d56-beee-89ff49c7b1a1" providerId="ADAL" clId="{AEB4C311-0DAC-7247-B120-49F50BB1C3B1}" dt="2024-07-16T03:08:23.798" v="831" actId="1076"/>
-          <ac:cxnSpMkLst>
-            <pc:docMk/>
-            <pc:sldMk cId="112689511" sldId="431"/>
-            <ac:cxnSpMk id="66" creationId="{21A4424C-4A8A-CE19-9524-EFEA66E4C689}"/>
-          </ac:cxnSpMkLst>
-        </pc:cxnChg>
-        <pc:cxnChg chg="add mod">
-          <ac:chgData name="Jinyoung Ko" userId="76e4a963-9504-4d56-beee-89ff49c7b1a1" providerId="ADAL" clId="{AEB4C311-0DAC-7247-B120-49F50BB1C3B1}" dt="2024-07-16T03:08:23.798" v="831" actId="1076"/>
-          <ac:cxnSpMkLst>
-            <pc:docMk/>
-            <pc:sldMk cId="112689511" sldId="431"/>
-            <ac:cxnSpMk id="67" creationId="{F1F7ADF1-4D9C-BE67-8D88-28BD12FFD543}"/>
-          </ac:cxnSpMkLst>
-        </pc:cxnChg>
-        <pc:cxnChg chg="add mod">
-          <ac:chgData name="Jinyoung Ko" userId="76e4a963-9504-4d56-beee-89ff49c7b1a1" providerId="ADAL" clId="{AEB4C311-0DAC-7247-B120-49F50BB1C3B1}" dt="2024-07-16T03:08:23.798" v="831" actId="1076"/>
-          <ac:cxnSpMkLst>
-            <pc:docMk/>
-            <pc:sldMk cId="112689511" sldId="431"/>
-            <ac:cxnSpMk id="73" creationId="{9F9F3DC2-B7D3-9919-9BCE-9FBCA0FB5F45}"/>
-          </ac:cxnSpMkLst>
-        </pc:cxnChg>
-        <pc:cxnChg chg="add del mod">
-          <ac:chgData name="Jinyoung Ko" userId="76e4a963-9504-4d56-beee-89ff49c7b1a1" providerId="ADAL" clId="{AEB4C311-0DAC-7247-B120-49F50BB1C3B1}" dt="2024-07-16T03:03:19.286" v="740" actId="21"/>
-          <ac:cxnSpMkLst>
-            <pc:docMk/>
-            <pc:sldMk cId="112689511" sldId="431"/>
-            <ac:cxnSpMk id="74" creationId="{7A1AFA20-EB8C-AC25-8890-C7DA7310337D}"/>
-          </ac:cxnSpMkLst>
-        </pc:cxnChg>
-        <pc:cxnChg chg="add del mod">
-          <ac:chgData name="Jinyoung Ko" userId="76e4a963-9504-4d56-beee-89ff49c7b1a1" providerId="ADAL" clId="{AEB4C311-0DAC-7247-B120-49F50BB1C3B1}" dt="2024-07-16T03:08:23.798" v="831" actId="1076"/>
-          <ac:cxnSpMkLst>
-            <pc:docMk/>
-            <pc:sldMk cId="112689511" sldId="431"/>
-            <ac:cxnSpMk id="75" creationId="{D05CBA2C-4996-3EEE-9EB3-996ABEF59D9C}"/>
-          </ac:cxnSpMkLst>
-        </pc:cxnChg>
-        <pc:cxnChg chg="add mod">
-          <ac:chgData name="Jinyoung Ko" userId="76e4a963-9504-4d56-beee-89ff49c7b1a1" providerId="ADAL" clId="{AEB4C311-0DAC-7247-B120-49F50BB1C3B1}" dt="2024-07-16T03:08:23.798" v="831" actId="1076"/>
-          <ac:cxnSpMkLst>
-            <pc:docMk/>
-            <pc:sldMk cId="112689511" sldId="431"/>
-            <ac:cxnSpMk id="76" creationId="{050E2977-857C-9D26-5DD6-F338DA65CEA4}"/>
-          </ac:cxnSpMkLst>
-        </pc:cxnChg>
-        <pc:cxnChg chg="add del mod">
-          <ac:chgData name="Jinyoung Ko" userId="76e4a963-9504-4d56-beee-89ff49c7b1a1" providerId="ADAL" clId="{AEB4C311-0DAC-7247-B120-49F50BB1C3B1}" dt="2024-07-16T03:03:19.792" v="741" actId="21"/>
-          <ac:cxnSpMkLst>
-            <pc:docMk/>
-            <pc:sldMk cId="112689511" sldId="431"/>
-            <ac:cxnSpMk id="77" creationId="{412A6123-2C61-ADCB-3889-13C0581623B4}"/>
-          </ac:cxnSpMkLst>
-        </pc:cxnChg>
-        <pc:cxnChg chg="add mod">
-          <ac:chgData name="Jinyoung Ko" userId="76e4a963-9504-4d56-beee-89ff49c7b1a1" providerId="ADAL" clId="{AEB4C311-0DAC-7247-B120-49F50BB1C3B1}" dt="2024-07-16T03:08:23.798" v="831" actId="1076"/>
-          <ac:cxnSpMkLst>
-            <pc:docMk/>
-            <pc:sldMk cId="112689511" sldId="431"/>
-            <ac:cxnSpMk id="82" creationId="{2E63C975-55CA-4A60-2ABB-C94C4F78F973}"/>
-          </ac:cxnSpMkLst>
-        </pc:cxnChg>
-        <pc:cxnChg chg="add mod">
-          <ac:chgData name="Jinyoung Ko" userId="76e4a963-9504-4d56-beee-89ff49c7b1a1" providerId="ADAL" clId="{AEB4C311-0DAC-7247-B120-49F50BB1C3B1}" dt="2024-07-16T03:08:23.798" v="831" actId="1076"/>
-          <ac:cxnSpMkLst>
-            <pc:docMk/>
-            <pc:sldMk cId="112689511" sldId="431"/>
-            <ac:cxnSpMk id="83" creationId="{55170CA2-09C3-1ADD-A16D-AD8E96967E7D}"/>
-          </ac:cxnSpMkLst>
-        </pc:cxnChg>
-        <pc:cxnChg chg="add mod">
-          <ac:chgData name="Jinyoung Ko" userId="76e4a963-9504-4d56-beee-89ff49c7b1a1" providerId="ADAL" clId="{AEB4C311-0DAC-7247-B120-49F50BB1C3B1}" dt="2024-07-16T03:08:23.798" v="831" actId="1076"/>
-          <ac:cxnSpMkLst>
-            <pc:docMk/>
-            <pc:sldMk cId="112689511" sldId="431"/>
-            <ac:cxnSpMk id="84" creationId="{71E36737-2E1E-0A9A-C1F1-39605420B47F}"/>
-          </ac:cxnSpMkLst>
-        </pc:cxnChg>
       </pc:sldChg>
       <pc:sldChg chg="modSp mod modAnim">
         <pc:chgData name="Jinyoung Ko" userId="76e4a963-9504-4d56-beee-89ff49c7b1a1" providerId="ADAL" clId="{AEB4C311-0DAC-7247-B120-49F50BB1C3B1}" dt="2024-07-15T05:34:45.716" v="244"/>
@@ -852,14 +244,6 @@
           <pc:docMk/>
           <pc:sldMk cId="1659357456" sldId="434"/>
         </pc:sldMkLst>
-        <pc:spChg chg="mod">
-          <ac:chgData name="Jinyoung Ko" userId="76e4a963-9504-4d56-beee-89ff49c7b1a1" providerId="ADAL" clId="{AEB4C311-0DAC-7247-B120-49F50BB1C3B1}" dt="2024-07-15T05:34:09.455" v="239" actId="1076"/>
-          <ac:spMkLst>
-            <pc:docMk/>
-            <pc:sldMk cId="1659357456" sldId="434"/>
-            <ac:spMk id="13" creationId="{E693BCCE-A439-5AF6-D9B2-7B444D418F5A}"/>
-          </ac:spMkLst>
-        </pc:spChg>
       </pc:sldChg>
       <pc:sldChg chg="modSp add del">
         <pc:chgData name="Jinyoung Ko" userId="76e4a963-9504-4d56-beee-89ff49c7b1a1" providerId="ADAL" clId="{AEB4C311-0DAC-7247-B120-49F50BB1C3B1}" dt="2024-07-16T04:12:21.520" v="1094" actId="2696"/>
@@ -867,14 +251,6 @@
           <pc:docMk/>
           <pc:sldMk cId="1245664688" sldId="439"/>
         </pc:sldMkLst>
-        <pc:spChg chg="mod">
-          <ac:chgData name="Jinyoung Ko" userId="76e4a963-9504-4d56-beee-89ff49c7b1a1" providerId="ADAL" clId="{AEB4C311-0DAC-7247-B120-49F50BB1C3B1}" dt="2024-07-16T03:36:01.982" v="956" actId="115"/>
-          <ac:spMkLst>
-            <pc:docMk/>
-            <pc:sldMk cId="1245664688" sldId="439"/>
-            <ac:spMk id="6" creationId="{C652435B-1332-4460-20FA-EEAB56C839AC}"/>
-          </ac:spMkLst>
-        </pc:spChg>
       </pc:sldChg>
       <pc:sldChg chg="modSp mod">
         <pc:chgData name="Jinyoung Ko" userId="76e4a963-9504-4d56-beee-89ff49c7b1a1" providerId="ADAL" clId="{AEB4C311-0DAC-7247-B120-49F50BB1C3B1}" dt="2024-07-16T03:25:57.701" v="955" actId="20577"/>
@@ -882,14 +258,6 @@
           <pc:docMk/>
           <pc:sldMk cId="2118465962" sldId="440"/>
         </pc:sldMkLst>
-        <pc:spChg chg="mod">
-          <ac:chgData name="Jinyoung Ko" userId="76e4a963-9504-4d56-beee-89ff49c7b1a1" providerId="ADAL" clId="{AEB4C311-0DAC-7247-B120-49F50BB1C3B1}" dt="2024-07-16T03:25:57.701" v="955" actId="20577"/>
-          <ac:spMkLst>
-            <pc:docMk/>
-            <pc:sldMk cId="2118465962" sldId="440"/>
-            <ac:spMk id="5" creationId="{207824E8-A399-9B18-8BCD-7B8E13A97997}"/>
-          </ac:spMkLst>
-        </pc:spChg>
       </pc:sldChg>
       <pc:sldChg chg="modSp mod">
         <pc:chgData name="Jinyoung Ko" userId="76e4a963-9504-4d56-beee-89ff49c7b1a1" providerId="ADAL" clId="{AEB4C311-0DAC-7247-B120-49F50BB1C3B1}" dt="2024-07-15T03:38:58.538" v="148" actId="1035"/>
@@ -897,30 +265,6 @@
           <pc:docMk/>
           <pc:sldMk cId="753220891" sldId="448"/>
         </pc:sldMkLst>
-        <pc:spChg chg="mod">
-          <ac:chgData name="Jinyoung Ko" userId="76e4a963-9504-4d56-beee-89ff49c7b1a1" providerId="ADAL" clId="{AEB4C311-0DAC-7247-B120-49F50BB1C3B1}" dt="2024-07-15T03:38:49.612" v="143" actId="1035"/>
-          <ac:spMkLst>
-            <pc:docMk/>
-            <pc:sldMk cId="753220891" sldId="448"/>
-            <ac:spMk id="14" creationId="{AA80FCEF-E574-9CFB-8763-57D9EF2F47B3}"/>
-          </ac:spMkLst>
-        </pc:spChg>
-        <pc:spChg chg="mod">
-          <ac:chgData name="Jinyoung Ko" userId="76e4a963-9504-4d56-beee-89ff49c7b1a1" providerId="ADAL" clId="{AEB4C311-0DAC-7247-B120-49F50BB1C3B1}" dt="2024-07-15T03:38:58.538" v="148" actId="1035"/>
-          <ac:spMkLst>
-            <pc:docMk/>
-            <pc:sldMk cId="753220891" sldId="448"/>
-            <ac:spMk id="16" creationId="{90095183-3E49-8B24-FF83-476C9114CFDF}"/>
-          </ac:spMkLst>
-        </pc:spChg>
-        <pc:spChg chg="mod">
-          <ac:chgData name="Jinyoung Ko" userId="76e4a963-9504-4d56-beee-89ff49c7b1a1" providerId="ADAL" clId="{AEB4C311-0DAC-7247-B120-49F50BB1C3B1}" dt="2024-07-15T03:38:40.652" v="139" actId="1076"/>
-          <ac:spMkLst>
-            <pc:docMk/>
-            <pc:sldMk cId="753220891" sldId="448"/>
-            <ac:spMk id="18" creationId="{49D6E59E-3010-9683-309C-3EEAA9C807DA}"/>
-          </ac:spMkLst>
-        </pc:spChg>
       </pc:sldChg>
       <pc:sldChg chg="modSp mod modAnim">
         <pc:chgData name="Jinyoung Ko" userId="76e4a963-9504-4d56-beee-89ff49c7b1a1" providerId="ADAL" clId="{AEB4C311-0DAC-7247-B120-49F50BB1C3B1}" dt="2024-07-15T03:50:22.883" v="205" actId="14100"/>
@@ -928,22 +272,6 @@
           <pc:docMk/>
           <pc:sldMk cId="2706090889" sldId="449"/>
         </pc:sldMkLst>
-        <pc:spChg chg="mod">
-          <ac:chgData name="Jinyoung Ko" userId="76e4a963-9504-4d56-beee-89ff49c7b1a1" providerId="ADAL" clId="{AEB4C311-0DAC-7247-B120-49F50BB1C3B1}" dt="2024-07-15T03:50:22.883" v="205" actId="14100"/>
-          <ac:spMkLst>
-            <pc:docMk/>
-            <pc:sldMk cId="2706090889" sldId="449"/>
-            <ac:spMk id="3" creationId="{BF230E0D-C1DF-A6FB-0E53-B23CA191A49F}"/>
-          </ac:spMkLst>
-        </pc:spChg>
-        <pc:spChg chg="mod">
-          <ac:chgData name="Jinyoung Ko" userId="76e4a963-9504-4d56-beee-89ff49c7b1a1" providerId="ADAL" clId="{AEB4C311-0DAC-7247-B120-49F50BB1C3B1}" dt="2024-07-15T03:40:15.977" v="171" actId="1076"/>
-          <ac:spMkLst>
-            <pc:docMk/>
-            <pc:sldMk cId="2706090889" sldId="449"/>
-            <ac:spMk id="4" creationId="{E43E1384-37A5-8BD8-F5EA-99DFB7431F8B}"/>
-          </ac:spMkLst>
-        </pc:spChg>
       </pc:sldChg>
       <pc:sldChg chg="modSp mod">
         <pc:chgData name="Jinyoung Ko" userId="76e4a963-9504-4d56-beee-89ff49c7b1a1" providerId="ADAL" clId="{AEB4C311-0DAC-7247-B120-49F50BB1C3B1}" dt="2024-07-15T03:47:59.368" v="192" actId="14100"/>
@@ -951,38 +279,6 @@
           <pc:docMk/>
           <pc:sldMk cId="1608516036" sldId="453"/>
         </pc:sldMkLst>
-        <pc:spChg chg="mod">
-          <ac:chgData name="Jinyoung Ko" userId="76e4a963-9504-4d56-beee-89ff49c7b1a1" providerId="ADAL" clId="{AEB4C311-0DAC-7247-B120-49F50BB1C3B1}" dt="2024-07-15T03:47:59.368" v="192" actId="14100"/>
-          <ac:spMkLst>
-            <pc:docMk/>
-            <pc:sldMk cId="1608516036" sldId="453"/>
-            <ac:spMk id="33" creationId="{C4E83E34-C7C6-7029-B3C3-528781D2837B}"/>
-          </ac:spMkLst>
-        </pc:spChg>
-        <pc:spChg chg="mod">
-          <ac:chgData name="Jinyoung Ko" userId="76e4a963-9504-4d56-beee-89ff49c7b1a1" providerId="ADAL" clId="{AEB4C311-0DAC-7247-B120-49F50BB1C3B1}" dt="2024-07-15T03:47:50.118" v="191" actId="1076"/>
-          <ac:spMkLst>
-            <pc:docMk/>
-            <pc:sldMk cId="1608516036" sldId="453"/>
-            <ac:spMk id="35" creationId="{ED509972-D53B-E9A4-6FAE-DFF0D6530074}"/>
-          </ac:spMkLst>
-        </pc:spChg>
-        <pc:cxnChg chg="mod">
-          <ac:chgData name="Jinyoung Ko" userId="76e4a963-9504-4d56-beee-89ff49c7b1a1" providerId="ADAL" clId="{AEB4C311-0DAC-7247-B120-49F50BB1C3B1}" dt="2024-07-15T03:47:50.118" v="191" actId="1076"/>
-          <ac:cxnSpMkLst>
-            <pc:docMk/>
-            <pc:sldMk cId="1608516036" sldId="453"/>
-            <ac:cxnSpMk id="36" creationId="{2D9059AE-B3EA-CB48-080F-DF65F127376A}"/>
-          </ac:cxnSpMkLst>
-        </pc:cxnChg>
-        <pc:cxnChg chg="mod">
-          <ac:chgData name="Jinyoung Ko" userId="76e4a963-9504-4d56-beee-89ff49c7b1a1" providerId="ADAL" clId="{AEB4C311-0DAC-7247-B120-49F50BB1C3B1}" dt="2024-07-15T03:47:18.205" v="177" actId="14100"/>
-          <ac:cxnSpMkLst>
-            <pc:docMk/>
-            <pc:sldMk cId="1608516036" sldId="453"/>
-            <ac:cxnSpMk id="37" creationId="{ABEC9477-32CF-78B1-C117-8917CD7E087A}"/>
-          </ac:cxnSpMkLst>
-        </pc:cxnChg>
       </pc:sldChg>
       <pc:sldChg chg="ord">
         <pc:chgData name="Jinyoung Ko" userId="76e4a963-9504-4d56-beee-89ff49c7b1a1" providerId="ADAL" clId="{AEB4C311-0DAC-7247-B120-49F50BB1C3B1}" dt="2024-07-16T01:46:34.597" v="245" actId="20578"/>
@@ -997,30 +293,6 @@
           <pc:docMk/>
           <pc:sldMk cId="2156016088" sldId="457"/>
         </pc:sldMkLst>
-        <pc:spChg chg="mod">
-          <ac:chgData name="Jinyoung Ko" userId="76e4a963-9504-4d56-beee-89ff49c7b1a1" providerId="ADAL" clId="{AEB4C311-0DAC-7247-B120-49F50BB1C3B1}" dt="2024-07-14T20:07:46.051" v="97" actId="20577"/>
-          <ac:spMkLst>
-            <pc:docMk/>
-            <pc:sldMk cId="2156016088" sldId="457"/>
-            <ac:spMk id="8" creationId="{FEDF4F07-4110-032B-18C0-10BE1FD36EAC}"/>
-          </ac:spMkLst>
-        </pc:spChg>
-        <pc:spChg chg="mod">
-          <ac:chgData name="Jinyoung Ko" userId="76e4a963-9504-4d56-beee-89ff49c7b1a1" providerId="ADAL" clId="{AEB4C311-0DAC-7247-B120-49F50BB1C3B1}" dt="2024-07-14T20:07:57.994" v="98" actId="114"/>
-          <ac:spMkLst>
-            <pc:docMk/>
-            <pc:sldMk cId="2156016088" sldId="457"/>
-            <ac:spMk id="62" creationId="{827D8F8E-62C4-DC02-8AC5-559AFA39CE73}"/>
-          </ac:spMkLst>
-        </pc:spChg>
-        <pc:spChg chg="mod">
-          <ac:chgData name="Jinyoung Ko" userId="76e4a963-9504-4d56-beee-89ff49c7b1a1" providerId="ADAL" clId="{AEB4C311-0DAC-7247-B120-49F50BB1C3B1}" dt="2024-07-14T20:08:17.720" v="103" actId="1076"/>
-          <ac:spMkLst>
-            <pc:docMk/>
-            <pc:sldMk cId="2156016088" sldId="457"/>
-            <ac:spMk id="69" creationId="{49BCCBA0-C470-6E89-68BD-0CF2EE126982}"/>
-          </ac:spMkLst>
-        </pc:spChg>
       </pc:sldChg>
       <pc:sldChg chg="add">
         <pc:chgData name="Jinyoung Ko" userId="76e4a963-9504-4d56-beee-89ff49c7b1a1" providerId="ADAL" clId="{AEB4C311-0DAC-7247-B120-49F50BB1C3B1}" dt="2024-07-16T02:54:49.282" v="246"/>
@@ -1035,78 +307,6 @@
           <pc:docMk/>
           <pc:sldMk cId="961516839" sldId="458"/>
         </pc:sldMkLst>
-        <pc:spChg chg="mod">
-          <ac:chgData name="Jinyoung Ko" userId="76e4a963-9504-4d56-beee-89ff49c7b1a1" providerId="ADAL" clId="{AEB4C311-0DAC-7247-B120-49F50BB1C3B1}" dt="2024-07-14T19:02:47.073" v="70" actId="1076"/>
-          <ac:spMkLst>
-            <pc:docMk/>
-            <pc:sldMk cId="961516839" sldId="458"/>
-            <ac:spMk id="13" creationId="{E693BCCE-A439-5AF6-D9B2-7B444D418F5A}"/>
-          </ac:spMkLst>
-        </pc:spChg>
-        <pc:spChg chg="mod">
-          <ac:chgData name="Jinyoung Ko" userId="76e4a963-9504-4d56-beee-89ff49c7b1a1" providerId="ADAL" clId="{AEB4C311-0DAC-7247-B120-49F50BB1C3B1}" dt="2024-07-14T18:41:27.506" v="49" actId="1076"/>
-          <ac:spMkLst>
-            <pc:docMk/>
-            <pc:sldMk cId="961516839" sldId="458"/>
-            <ac:spMk id="65" creationId="{D8FAFA3B-9866-CCA0-7D39-EA9B65977608}"/>
-          </ac:spMkLst>
-        </pc:spChg>
-        <pc:spChg chg="mod">
-          <ac:chgData name="Jinyoung Ko" userId="76e4a963-9504-4d56-beee-89ff49c7b1a1" providerId="ADAL" clId="{AEB4C311-0DAC-7247-B120-49F50BB1C3B1}" dt="2024-07-14T18:40:06.978" v="32" actId="1076"/>
-          <ac:spMkLst>
-            <pc:docMk/>
-            <pc:sldMk cId="961516839" sldId="458"/>
-            <ac:spMk id="70" creationId="{A4BCAA8D-8B84-0E3F-EFA8-9A500EEE4D84}"/>
-          </ac:spMkLst>
-        </pc:spChg>
-        <pc:spChg chg="mod">
-          <ac:chgData name="Jinyoung Ko" userId="76e4a963-9504-4d56-beee-89ff49c7b1a1" providerId="ADAL" clId="{AEB4C311-0DAC-7247-B120-49F50BB1C3B1}" dt="2024-07-14T18:42:06.390" v="67" actId="1076"/>
-          <ac:spMkLst>
-            <pc:docMk/>
-            <pc:sldMk cId="961516839" sldId="458"/>
-            <ac:spMk id="72" creationId="{450A3982-EEE8-2913-D210-A489F6A40622}"/>
-          </ac:spMkLst>
-        </pc:spChg>
-        <pc:spChg chg="mod">
-          <ac:chgData name="Jinyoung Ko" userId="76e4a963-9504-4d56-beee-89ff49c7b1a1" providerId="ADAL" clId="{AEB4C311-0DAC-7247-B120-49F50BB1C3B1}" dt="2024-07-14T18:40:11.640" v="34" actId="1076"/>
-          <ac:spMkLst>
-            <pc:docMk/>
-            <pc:sldMk cId="961516839" sldId="458"/>
-            <ac:spMk id="73" creationId="{D7BB0881-8BF8-7C4F-78DD-1411E93396FD}"/>
-          </ac:spMkLst>
-        </pc:spChg>
-        <pc:spChg chg="mod">
-          <ac:chgData name="Jinyoung Ko" userId="76e4a963-9504-4d56-beee-89ff49c7b1a1" providerId="ADAL" clId="{AEB4C311-0DAC-7247-B120-49F50BB1C3B1}" dt="2024-07-14T18:40:09.774" v="33" actId="1076"/>
-          <ac:spMkLst>
-            <pc:docMk/>
-            <pc:sldMk cId="961516839" sldId="458"/>
-            <ac:spMk id="74" creationId="{957051B1-FED6-1094-CAD7-E4D45CCF453A}"/>
-          </ac:spMkLst>
-        </pc:spChg>
-        <pc:spChg chg="mod">
-          <ac:chgData name="Jinyoung Ko" userId="76e4a963-9504-4d56-beee-89ff49c7b1a1" providerId="ADAL" clId="{AEB4C311-0DAC-7247-B120-49F50BB1C3B1}" dt="2024-07-14T18:42:03.643" v="66" actId="1038"/>
-          <ac:spMkLst>
-            <pc:docMk/>
-            <pc:sldMk cId="961516839" sldId="458"/>
-            <ac:spMk id="75" creationId="{B1778E87-3B1C-9EF9-F67C-29511B615117}"/>
-          </ac:spMkLst>
-        </pc:spChg>
-        <pc:picChg chg="add del">
-          <ac:chgData name="Jinyoung Ko" userId="76e4a963-9504-4d56-beee-89ff49c7b1a1" providerId="ADAL" clId="{AEB4C311-0DAC-7247-B120-49F50BB1C3B1}" dt="2024-07-14T18:39:13.991" v="20" actId="21"/>
-          <ac:picMkLst>
-            <pc:docMk/>
-            <pc:sldMk cId="961516839" sldId="458"/>
-            <ac:picMk id="3" creationId="{84780F54-4E66-D467-DAE8-227466529BED}"/>
-          </ac:picMkLst>
-        </pc:picChg>
-        <pc:picChg chg="add mod">
-          <ac:chgData name="Jinyoung Ko" userId="76e4a963-9504-4d56-beee-89ff49c7b1a1" providerId="ADAL" clId="{AEB4C311-0DAC-7247-B120-49F50BB1C3B1}" dt="2024-07-14T18:41:21.592" v="47" actId="1037"/>
-          <ac:picMkLst>
-            <pc:docMk/>
-            <pc:sldMk cId="961516839" sldId="458"/>
-            <ac:picMk id="15" creationId="{2B7EE239-9703-CFE0-1625-2550D0407789}"/>
-          </ac:picMkLst>
-        </pc:picChg>
       </pc:sldChg>
       <pc:sldChg chg="addSp delSp modSp add mod addAnim delAnim modAnim">
         <pc:chgData name="Jinyoung Ko" userId="76e4a963-9504-4d56-beee-89ff49c7b1a1" providerId="ADAL" clId="{AEB4C311-0DAC-7247-B120-49F50BB1C3B1}" dt="2024-07-16T03:38:40.949" v="1091"/>
@@ -1114,159 +314,129 @@
           <pc:docMk/>
           <pc:sldMk cId="245434029" sldId="459"/>
         </pc:sldMkLst>
-        <pc:spChg chg="add mod">
-          <ac:chgData name="Jinyoung Ko" userId="76e4a963-9504-4d56-beee-89ff49c7b1a1" providerId="ADAL" clId="{AEB4C311-0DAC-7247-B120-49F50BB1C3B1}" dt="2024-07-16T03:38:02.167" v="1080" actId="164"/>
+      </pc:sldChg>
+    </pc:docChg>
+  </pc:docChgLst>
+  <pc:docChgLst>
+    <pc:chgData name="Seungjae Lee" userId="37d62571-95b7-4ef3-88c6-73af89d2a1da" providerId="ADAL" clId="{8D8FE9D4-8D83-4C9C-A373-491454A0D6B3}"/>
+    <pc:docChg chg="custSel modSld modMainMaster">
+      <pc:chgData name="Seungjae Lee" userId="37d62571-95b7-4ef3-88c6-73af89d2a1da" providerId="ADAL" clId="{8D8FE9D4-8D83-4C9C-A373-491454A0D6B3}" dt="2025-05-21T00:18:08.404" v="92" actId="166"/>
+      <pc:docMkLst>
+        <pc:docMk/>
+      </pc:docMkLst>
+      <pc:sldChg chg="modSp mod">
+        <pc:chgData name="Seungjae Lee" userId="37d62571-95b7-4ef3-88c6-73af89d2a1da" providerId="ADAL" clId="{8D8FE9D4-8D83-4C9C-A373-491454A0D6B3}" dt="2025-05-20T23:15:27.941" v="9" actId="20577"/>
+        <pc:sldMkLst>
+          <pc:docMk/>
+          <pc:sldMk cId="3276164734" sldId="411"/>
+        </pc:sldMkLst>
+        <pc:spChg chg="mod">
+          <ac:chgData name="Seungjae Lee" userId="37d62571-95b7-4ef3-88c6-73af89d2a1da" providerId="ADAL" clId="{8D8FE9D4-8D83-4C9C-A373-491454A0D6B3}" dt="2025-05-20T23:15:18.542" v="0" actId="20577"/>
           <ac:spMkLst>
             <pc:docMk/>
-            <pc:sldMk cId="245434029" sldId="459"/>
-            <ac:spMk id="3" creationId="{AEB233A1-D550-CE78-9E7B-AA0713FE7359}"/>
+            <pc:sldMk cId="3276164734" sldId="411"/>
+            <ac:spMk id="2" creationId="{84AAE676-BA93-B03D-71DC-BB0C4E468DA7}"/>
           </ac:spMkLst>
         </pc:spChg>
         <pc:spChg chg="mod">
-          <ac:chgData name="Jinyoung Ko" userId="76e4a963-9504-4d56-beee-89ff49c7b1a1" providerId="ADAL" clId="{AEB4C311-0DAC-7247-B120-49F50BB1C3B1}" dt="2024-07-16T03:36:41.856" v="1003" actId="404"/>
+          <ac:chgData name="Seungjae Lee" userId="37d62571-95b7-4ef3-88c6-73af89d2a1da" providerId="ADAL" clId="{8D8FE9D4-8D83-4C9C-A373-491454A0D6B3}" dt="2025-05-20T23:15:27.941" v="9" actId="20577"/>
           <ac:spMkLst>
             <pc:docMk/>
-            <pc:sldMk cId="245434029" sldId="459"/>
-            <ac:spMk id="5" creationId="{30E3D251-6278-2017-FB30-CB09D22094DE}"/>
+            <pc:sldMk cId="3276164734" sldId="411"/>
+            <ac:spMk id="6" creationId="{0AAE8680-F7A9-A7A0-196C-F7BBBFE9F508}"/>
           </ac:spMkLst>
         </pc:spChg>
-        <pc:spChg chg="add mod">
-          <ac:chgData name="Jinyoung Ko" userId="76e4a963-9504-4d56-beee-89ff49c7b1a1" providerId="ADAL" clId="{AEB4C311-0DAC-7247-B120-49F50BB1C3B1}" dt="2024-07-16T03:38:02.167" v="1080" actId="164"/>
+      </pc:sldChg>
+      <pc:sldChg chg="modSp">
+        <pc:chgData name="Seungjae Lee" userId="37d62571-95b7-4ef3-88c6-73af89d2a1da" providerId="ADAL" clId="{8D8FE9D4-8D83-4C9C-A373-491454A0D6B3}" dt="2025-05-20T23:16:30.278" v="11" actId="207"/>
+        <pc:sldMkLst>
+          <pc:docMk/>
+          <pc:sldMk cId="2879920628" sldId="452"/>
+        </pc:sldMkLst>
+        <pc:spChg chg="mod">
+          <ac:chgData name="Seungjae Lee" userId="37d62571-95b7-4ef3-88c6-73af89d2a1da" providerId="ADAL" clId="{8D8FE9D4-8D83-4C9C-A373-491454A0D6B3}" dt="2025-05-20T23:16:30.278" v="11" actId="207"/>
           <ac:spMkLst>
             <pc:docMk/>
-            <pc:sldMk cId="245434029" sldId="459"/>
-            <ac:spMk id="9" creationId="{CD749911-F8F9-DA86-D16A-8D2AAAA2DCED}"/>
+            <pc:sldMk cId="2879920628" sldId="452"/>
+            <ac:spMk id="2" creationId="{09C83BBB-03DB-1C42-B5B1-50B3EBC0B665}"/>
           </ac:spMkLst>
         </pc:spChg>
-        <pc:spChg chg="add del mod">
-          <ac:chgData name="Jinyoung Ko" userId="76e4a963-9504-4d56-beee-89ff49c7b1a1" providerId="ADAL" clId="{AEB4C311-0DAC-7247-B120-49F50BB1C3B1}" dt="2024-07-16T03:38:27.757" v="1088" actId="206"/>
+      </pc:sldChg>
+      <pc:sldChg chg="modSp modAnim">
+        <pc:chgData name="Seungjae Lee" userId="37d62571-95b7-4ef3-88c6-73af89d2a1da" providerId="ADAL" clId="{8D8FE9D4-8D83-4C9C-A373-491454A0D6B3}" dt="2025-05-20T23:30:55.947" v="84" actId="113"/>
+        <pc:sldMkLst>
+          <pc:docMk/>
+          <pc:sldMk cId="3857181114" sldId="453"/>
+        </pc:sldMkLst>
+        <pc:spChg chg="mod">
+          <ac:chgData name="Seungjae Lee" userId="37d62571-95b7-4ef3-88c6-73af89d2a1da" providerId="ADAL" clId="{8D8FE9D4-8D83-4C9C-A373-491454A0D6B3}" dt="2025-05-20T23:30:55.947" v="84" actId="113"/>
           <ac:spMkLst>
             <pc:docMk/>
-            <pc:sldMk cId="245434029" sldId="459"/>
-            <ac:spMk id="10" creationId="{BC564C1C-59D6-3604-F556-333D36C42D46}"/>
+            <pc:sldMk cId="3857181114" sldId="453"/>
+            <ac:spMk id="2" creationId="{5FADB9A5-494E-623E-E840-A5F010B50101}"/>
           </ac:spMkLst>
         </pc:spChg>
-        <pc:spChg chg="add mod">
-          <ac:chgData name="Jinyoung Ko" userId="76e4a963-9504-4d56-beee-89ff49c7b1a1" providerId="ADAL" clId="{AEB4C311-0DAC-7247-B120-49F50BB1C3B1}" dt="2024-07-16T03:38:02.167" v="1080" actId="164"/>
+      </pc:sldChg>
+      <pc:sldChg chg="modAnim">
+        <pc:chgData name="Seungjae Lee" userId="37d62571-95b7-4ef3-88c6-73af89d2a1da" providerId="ADAL" clId="{8D8FE9D4-8D83-4C9C-A373-491454A0D6B3}" dt="2025-05-20T23:50:16.299" v="86"/>
+        <pc:sldMkLst>
+          <pc:docMk/>
+          <pc:sldMk cId="3605691713" sldId="471"/>
+        </pc:sldMkLst>
+      </pc:sldChg>
+      <pc:sldChg chg="addSp delSp modSp mod">
+        <pc:chgData name="Seungjae Lee" userId="37d62571-95b7-4ef3-88c6-73af89d2a1da" providerId="ADAL" clId="{8D8FE9D4-8D83-4C9C-A373-491454A0D6B3}" dt="2025-05-21T00:14:51.396" v="91" actId="1076"/>
+        <pc:sldMkLst>
+          <pc:docMk/>
+          <pc:sldMk cId="1097292612" sldId="480"/>
+        </pc:sldMkLst>
+        <pc:picChg chg="add del">
+          <ac:chgData name="Seungjae Lee" userId="37d62571-95b7-4ef3-88c6-73af89d2a1da" providerId="ADAL" clId="{8D8FE9D4-8D83-4C9C-A373-491454A0D6B3}" dt="2025-05-21T00:14:46.535" v="88" actId="21"/>
+          <ac:picMkLst>
+            <pc:docMk/>
+            <pc:sldMk cId="1097292612" sldId="480"/>
+            <ac:picMk id="9" creationId="{1476F117-B6E4-C937-BA6D-BF1E1FEFB84D}"/>
+          </ac:picMkLst>
+        </pc:picChg>
+        <pc:picChg chg="add mod">
+          <ac:chgData name="Seungjae Lee" userId="37d62571-95b7-4ef3-88c6-73af89d2a1da" providerId="ADAL" clId="{8D8FE9D4-8D83-4C9C-A373-491454A0D6B3}" dt="2025-05-21T00:14:51.396" v="91" actId="1076"/>
+          <ac:picMkLst>
+            <pc:docMk/>
+            <pc:sldMk cId="1097292612" sldId="480"/>
+            <ac:picMk id="13" creationId="{1476F117-B6E4-C937-BA6D-BF1E1FEFB84D}"/>
+          </ac:picMkLst>
+        </pc:picChg>
+      </pc:sldChg>
+      <pc:sldChg chg="modSp mod">
+        <pc:chgData name="Seungjae Lee" userId="37d62571-95b7-4ef3-88c6-73af89d2a1da" providerId="ADAL" clId="{8D8FE9D4-8D83-4C9C-A373-491454A0D6B3}" dt="2025-05-21T00:18:08.404" v="92" actId="166"/>
+        <pc:sldMkLst>
+          <pc:docMk/>
+          <pc:sldMk cId="3087832094" sldId="484"/>
+        </pc:sldMkLst>
+        <pc:picChg chg="ord">
+          <ac:chgData name="Seungjae Lee" userId="37d62571-95b7-4ef3-88c6-73af89d2a1da" providerId="ADAL" clId="{8D8FE9D4-8D83-4C9C-A373-491454A0D6B3}" dt="2025-05-21T00:18:08.404" v="92" actId="166"/>
+          <ac:picMkLst>
+            <pc:docMk/>
+            <pc:sldMk cId="3087832094" sldId="484"/>
+            <ac:picMk id="17" creationId="{FCAE51DE-7DF5-7C7B-DFD5-6AB2365E8FC0}"/>
+          </ac:picMkLst>
+        </pc:picChg>
+      </pc:sldChg>
+      <pc:sldMasterChg chg="modSp mod">
+        <pc:chgData name="Seungjae Lee" userId="37d62571-95b7-4ef3-88c6-73af89d2a1da" providerId="ADAL" clId="{8D8FE9D4-8D83-4C9C-A373-491454A0D6B3}" dt="2025-05-20T23:15:44.035" v="10" actId="20577"/>
+        <pc:sldMasterMkLst>
+          <pc:docMk/>
+          <pc:sldMasterMk cId="2170764288" sldId="2147483673"/>
+        </pc:sldMasterMkLst>
+        <pc:spChg chg="mod">
+          <ac:chgData name="Seungjae Lee" userId="37d62571-95b7-4ef3-88c6-73af89d2a1da" providerId="ADAL" clId="{8D8FE9D4-8D83-4C9C-A373-491454A0D6B3}" dt="2025-05-20T23:15:44.035" v="10" actId="20577"/>
           <ac:spMkLst>
             <pc:docMk/>
-            <pc:sldMk cId="245434029" sldId="459"/>
-            <ac:spMk id="13" creationId="{ABFEF383-B93E-68B7-9414-988D1DE29A38}"/>
+            <pc:sldMasterMk cId="2170764288" sldId="2147483673"/>
+            <ac:spMk id="12" creationId="{0B9F7607-9502-DFCB-3B84-406167378C78}"/>
           </ac:spMkLst>
         </pc:spChg>
-        <pc:spChg chg="add del mod">
-          <ac:chgData name="Jinyoung Ko" userId="76e4a963-9504-4d56-beee-89ff49c7b1a1" providerId="ADAL" clId="{AEB4C311-0DAC-7247-B120-49F50BB1C3B1}" dt="2024-07-16T03:38:33.014" v="1090" actId="21"/>
-          <ac:spMkLst>
-            <pc:docMk/>
-            <pc:sldMk cId="245434029" sldId="459"/>
-            <ac:spMk id="16" creationId="{3C1502D6-7E4C-4200-3BD1-D4867A386E8D}"/>
-          </ac:spMkLst>
-        </pc:spChg>
-        <pc:spChg chg="add mod">
-          <ac:chgData name="Jinyoung Ko" userId="76e4a963-9504-4d56-beee-89ff49c7b1a1" providerId="ADAL" clId="{AEB4C311-0DAC-7247-B120-49F50BB1C3B1}" dt="2024-07-16T03:38:02.167" v="1080" actId="164"/>
-          <ac:spMkLst>
-            <pc:docMk/>
-            <pc:sldMk cId="245434029" sldId="459"/>
-            <ac:spMk id="17" creationId="{696DF7EA-344D-D0FA-0915-51260E3031FC}"/>
-          </ac:spMkLst>
-        </pc:spChg>
-        <pc:spChg chg="add mod">
-          <ac:chgData name="Jinyoung Ko" userId="76e4a963-9504-4d56-beee-89ff49c7b1a1" providerId="ADAL" clId="{AEB4C311-0DAC-7247-B120-49F50BB1C3B1}" dt="2024-07-16T03:38:02.167" v="1080" actId="164"/>
-          <ac:spMkLst>
-            <pc:docMk/>
-            <pc:sldMk cId="245434029" sldId="459"/>
-            <ac:spMk id="18" creationId="{3CA1320A-7383-44B0-DF22-DCCE60F1DADC}"/>
-          </ac:spMkLst>
-        </pc:spChg>
-        <pc:spChg chg="add mod">
-          <ac:chgData name="Jinyoung Ko" userId="76e4a963-9504-4d56-beee-89ff49c7b1a1" providerId="ADAL" clId="{AEB4C311-0DAC-7247-B120-49F50BB1C3B1}" dt="2024-07-16T03:38:02.167" v="1080" actId="164"/>
-          <ac:spMkLst>
-            <pc:docMk/>
-            <pc:sldMk cId="245434029" sldId="459"/>
-            <ac:spMk id="19" creationId="{190C7244-F720-5018-2BF2-3B65F44EC919}"/>
-          </ac:spMkLst>
-        </pc:spChg>
-        <pc:spChg chg="add mod">
-          <ac:chgData name="Jinyoung Ko" userId="76e4a963-9504-4d56-beee-89ff49c7b1a1" providerId="ADAL" clId="{AEB4C311-0DAC-7247-B120-49F50BB1C3B1}" dt="2024-07-16T03:38:02.167" v="1080" actId="164"/>
-          <ac:spMkLst>
-            <pc:docMk/>
-            <pc:sldMk cId="245434029" sldId="459"/>
-            <ac:spMk id="21" creationId="{719411F1-D5D2-2012-AF33-E79B91EFC79F}"/>
-          </ac:spMkLst>
-        </pc:spChg>
-        <pc:spChg chg="add del mod">
-          <ac:chgData name="Jinyoung Ko" userId="76e4a963-9504-4d56-beee-89ff49c7b1a1" providerId="ADAL" clId="{AEB4C311-0DAC-7247-B120-49F50BB1C3B1}" dt="2024-07-16T03:38:30.335" v="1089" actId="21"/>
-          <ac:spMkLst>
-            <pc:docMk/>
-            <pc:sldMk cId="245434029" sldId="459"/>
-            <ac:spMk id="22" creationId="{CAF34742-3E4D-A8AC-6BE2-4C210D6651BD}"/>
-          </ac:spMkLst>
-        </pc:spChg>
-        <pc:spChg chg="add mod">
-          <ac:chgData name="Jinyoung Ko" userId="76e4a963-9504-4d56-beee-89ff49c7b1a1" providerId="ADAL" clId="{AEB4C311-0DAC-7247-B120-49F50BB1C3B1}" dt="2024-07-16T03:38:02.167" v="1080" actId="164"/>
-          <ac:spMkLst>
-            <pc:docMk/>
-            <pc:sldMk cId="245434029" sldId="459"/>
-            <ac:spMk id="23" creationId="{46016CF1-B908-3FC2-0E3F-025252941E71}"/>
-          </ac:spMkLst>
-        </pc:spChg>
-        <pc:spChg chg="mod">
-          <ac:chgData name="Jinyoung Ko" userId="76e4a963-9504-4d56-beee-89ff49c7b1a1" providerId="ADAL" clId="{AEB4C311-0DAC-7247-B120-49F50BB1C3B1}" dt="2024-07-16T03:37:19.589" v="1071" actId="404"/>
-          <ac:spMkLst>
-            <pc:docMk/>
-            <pc:sldMk cId="245434029" sldId="459"/>
-            <ac:spMk id="35" creationId="{AB2A3666-36DE-114C-967C-2ADC7335344F}"/>
-          </ac:spMkLst>
-        </pc:spChg>
-        <pc:grpChg chg="add mod">
-          <ac:chgData name="Jinyoung Ko" userId="76e4a963-9504-4d56-beee-89ff49c7b1a1" providerId="ADAL" clId="{AEB4C311-0DAC-7247-B120-49F50BB1C3B1}" dt="2024-07-16T03:38:02.167" v="1080" actId="164"/>
-          <ac:grpSpMkLst>
-            <pc:docMk/>
-            <pc:sldMk cId="245434029" sldId="459"/>
-            <ac:grpSpMk id="24" creationId="{606B0FE6-3539-DACC-F5A5-21A54AC12595}"/>
-          </ac:grpSpMkLst>
-        </pc:grpChg>
-        <pc:cxnChg chg="add mod">
-          <ac:chgData name="Jinyoung Ko" userId="76e4a963-9504-4d56-beee-89ff49c7b1a1" providerId="ADAL" clId="{AEB4C311-0DAC-7247-B120-49F50BB1C3B1}" dt="2024-07-16T03:38:02.167" v="1080" actId="164"/>
-          <ac:cxnSpMkLst>
-            <pc:docMk/>
-            <pc:sldMk cId="245434029" sldId="459"/>
-            <ac:cxnSpMk id="11" creationId="{87715977-E0E4-6CE1-80B4-82B5827200C1}"/>
-          </ac:cxnSpMkLst>
-        </pc:cxnChg>
-        <pc:cxnChg chg="add mod">
-          <ac:chgData name="Jinyoung Ko" userId="76e4a963-9504-4d56-beee-89ff49c7b1a1" providerId="ADAL" clId="{AEB4C311-0DAC-7247-B120-49F50BB1C3B1}" dt="2024-07-16T03:38:02.167" v="1080" actId="164"/>
-          <ac:cxnSpMkLst>
-            <pc:docMk/>
-            <pc:sldMk cId="245434029" sldId="459"/>
-            <ac:cxnSpMk id="12" creationId="{4015E54E-598B-28BB-CA86-97EC8108AB77}"/>
-          </ac:cxnSpMkLst>
-        </pc:cxnChg>
-        <pc:cxnChg chg="add del mod">
-          <ac:chgData name="Jinyoung Ko" userId="76e4a963-9504-4d56-beee-89ff49c7b1a1" providerId="ADAL" clId="{AEB4C311-0DAC-7247-B120-49F50BB1C3B1}" dt="2024-07-16T03:38:33.014" v="1090" actId="21"/>
-          <ac:cxnSpMkLst>
-            <pc:docMk/>
-            <pc:sldMk cId="245434029" sldId="459"/>
-            <ac:cxnSpMk id="14" creationId="{AF0BD879-54D7-65D3-4716-4FD92B77D8D1}"/>
-          </ac:cxnSpMkLst>
-        </pc:cxnChg>
-        <pc:cxnChg chg="add del mod">
-          <ac:chgData name="Jinyoung Ko" userId="76e4a963-9504-4d56-beee-89ff49c7b1a1" providerId="ADAL" clId="{AEB4C311-0DAC-7247-B120-49F50BB1C3B1}" dt="2024-07-16T03:38:33.014" v="1090" actId="21"/>
-          <ac:cxnSpMkLst>
-            <pc:docMk/>
-            <pc:sldMk cId="245434029" sldId="459"/>
-            <ac:cxnSpMk id="15" creationId="{3D4548D6-C043-3C3E-21C6-40F00E51EB38}"/>
-          </ac:cxnSpMkLst>
-        </pc:cxnChg>
-        <pc:cxnChg chg="add mod">
-          <ac:chgData name="Jinyoung Ko" userId="76e4a963-9504-4d56-beee-89ff49c7b1a1" providerId="ADAL" clId="{AEB4C311-0DAC-7247-B120-49F50BB1C3B1}" dt="2024-07-16T03:38:02.167" v="1080" actId="164"/>
-          <ac:cxnSpMkLst>
-            <pc:docMk/>
-            <pc:sldMk cId="245434029" sldId="459"/>
-            <ac:cxnSpMk id="20" creationId="{881A7242-5ABD-CC13-AF60-D0A62EA238CA}"/>
-          </ac:cxnSpMkLst>
-        </pc:cxnChg>
-      </pc:sldChg>
+      </pc:sldMasterChg>
     </pc:docChg>
   </pc:docChgLst>
 </pc:chgInfo>
@@ -1366,7 +536,7 @@
           <a:p>
             <a:fld id="{B3EE893B-3C1F-44D7-B6E5-3AAAE9780782}" type="datetimeFigureOut">
               <a:rPr lang="en-CA" smtClean="0"/>
-              <a:t>2024-07-29</a:t>
+              <a:t>2025-05-20</a:t>
             </a:fld>
             <a:endParaRPr lang="en-CA"/>
           </a:p>
@@ -1543,7 +713,7 @@
           <a:p>
             <a:fld id="{3D086A12-5A3A-45CA-B803-C1829C2684E0}" type="datetimeFigureOut">
               <a:rPr lang="ko-KR" altLang="en-US" smtClean="0"/>
-              <a:t>2024-07-29</a:t>
+              <a:t>2025-05-20</a:t>
             </a:fld>
             <a:endParaRPr lang="ko-KR" altLang="en-US"/>
           </a:p>
@@ -1995,6 +1165,90 @@
 </p:notes>
 </file>
 
+<file path=ppt/notesSlides/notesSlide3.xml><?xml version="1.0" encoding="utf-8"?>
+<p:notes xmlns:a="http://schemas.openxmlformats.org/drawingml/2006/main" xmlns:r="http://schemas.openxmlformats.org/officeDocument/2006/relationships" xmlns:p="http://schemas.openxmlformats.org/presentationml/2006/main">
+  <p:cSld>
+    <p:spTree>
+      <p:nvGrpSpPr>
+        <p:cNvPr id="1" name=""/>
+        <p:cNvGrpSpPr/>
+        <p:nvPr/>
+      </p:nvGrpSpPr>
+      <p:grpSpPr>
+        <a:xfrm>
+          <a:off x="0" y="0"/>
+          <a:ext cx="0" cy="0"/>
+          <a:chOff x="0" y="0"/>
+          <a:chExt cx="0" cy="0"/>
+        </a:xfrm>
+      </p:grpSpPr>
+      <p:sp>
+        <p:nvSpPr>
+          <p:cNvPr id="2" name="Slide Image Placeholder 1"/>
+          <p:cNvSpPr>
+            <a:spLocks noGrp="1" noRot="1" noChangeAspect="1"/>
+          </p:cNvSpPr>
+          <p:nvPr>
+            <p:ph type="sldImg"/>
+          </p:nvPr>
+        </p:nvSpPr>
+        <p:spPr/>
+      </p:sp>
+      <p:sp>
+        <p:nvSpPr>
+          <p:cNvPr id="3" name="Notes Placeholder 2"/>
+          <p:cNvSpPr>
+            <a:spLocks noGrp="1"/>
+          </p:cNvSpPr>
+          <p:nvPr>
+            <p:ph type="body" idx="1"/>
+          </p:nvPr>
+        </p:nvSpPr>
+        <p:spPr/>
+        <p:txBody>
+          <a:bodyPr/>
+          <a:lstStyle/>
+          <a:p>
+            <a:endParaRPr lang="en-CA" dirty="0"/>
+          </a:p>
+        </p:txBody>
+      </p:sp>
+      <p:sp>
+        <p:nvSpPr>
+          <p:cNvPr id="4" name="Slide Number Placeholder 3"/>
+          <p:cNvSpPr>
+            <a:spLocks noGrp="1"/>
+          </p:cNvSpPr>
+          <p:nvPr>
+            <p:ph type="sldNum" sz="quarter" idx="5"/>
+          </p:nvPr>
+        </p:nvSpPr>
+        <p:spPr/>
+        <p:txBody>
+          <a:bodyPr/>
+          <a:lstStyle/>
+          <a:p>
+            <a:fld id="{0B2F9F9F-DDB3-4232-A12B-3B89870F575E}" type="slidenum">
+              <a:rPr lang="ko-KR" altLang="en-US" smtClean="0"/>
+              <a:t>28</a:t>
+            </a:fld>
+            <a:endParaRPr lang="ko-KR" altLang="en-US"/>
+          </a:p>
+        </p:txBody>
+      </p:sp>
+    </p:spTree>
+    <p:extLst>
+      <p:ext uri="{BB962C8B-B14F-4D97-AF65-F5344CB8AC3E}">
+        <p14:creationId xmlns:p14="http://schemas.microsoft.com/office/powerpoint/2010/main" val="405651065"/>
+      </p:ext>
+    </p:extLst>
+  </p:cSld>
+  <p:clrMapOvr>
+    <a:masterClrMapping/>
+  </p:clrMapOvr>
+</p:notes>
+</file>
+
 <file path=ppt/slideLayouts/slideLayout1.xml><?xml version="1.0" encoding="utf-8"?>
 <p:sldLayout xmlns:a="http://schemas.openxmlformats.org/drawingml/2006/main" xmlns:r="http://schemas.openxmlformats.org/officeDocument/2006/relationships" xmlns:p="http://schemas.openxmlformats.org/presentationml/2006/main" preserve="1" userDrawn="1">
   <p:cSld name="Title">
@@ -9636,7 +8890,7 @@
                 <a:ea typeface="Baskerville" panose="02020502070401020303" pitchFamily="18" charset="0"/>
                 <a:cs typeface="+mn-cs"/>
               </a:rPr>
-              <a:t>2024 Bayesian Modelling Workshop</a:t>
+              <a:t>2025 Bayesian Modelling Workshop</a:t>
             </a:r>
             <a:endParaRPr lang="en-CA" sz="1200" kern="1200" dirty="0">
               <a:solidFill>
@@ -10133,7 +9387,7 @@
           <a:p>
             <a:r>
               <a:rPr lang="en-CA" sz="2000" dirty="0"/>
-              <a:t>July 30, 2024</a:t>
+              <a:t>May 20, 2025</a:t>
             </a:r>
           </a:p>
         </p:txBody>
@@ -10163,7 +9417,7 @@
               <a:rPr lang="en-GB" dirty="0">
                 <a:cs typeface="Arial" panose="020B0604020202020204" pitchFamily="34" charset="0"/>
               </a:rPr>
-              <a:t>2024 Bayesian Modelling Workshop</a:t>
+              <a:t>2025 Bayesian Modelling Workshop</a:t>
             </a:r>
             <a:endParaRPr lang="en-CA" dirty="0">
               <a:cs typeface="Arial" panose="020B0604020202020204" pitchFamily="34" charset="0"/>
@@ -19000,165 +18254,6 @@
   <p:clrMapOvr>
     <a:masterClrMapping/>
   </p:clrMapOvr>
-  <p:timing>
-    <p:tnLst>
-      <p:par>
-        <p:cTn id="1" dur="indefinite" restart="never" nodeType="tmRoot">
-          <p:childTnLst>
-            <p:seq concurrent="1" nextAc="seek">
-              <p:cTn id="2" dur="indefinite" nodeType="mainSeq">
-                <p:childTnLst>
-                  <p:par>
-                    <p:cTn id="3" fill="hold">
-                      <p:stCondLst>
-                        <p:cond delay="indefinite"/>
-                      </p:stCondLst>
-                      <p:childTnLst>
-                        <p:par>
-                          <p:cTn id="4" fill="hold">
-                            <p:stCondLst>
-                              <p:cond delay="0"/>
-                            </p:stCondLst>
-                            <p:childTnLst>
-                              <p:par>
-                                <p:cTn id="5" presetID="1" presetClass="entr" presetSubtype="0" fill="hold" nodeType="clickEffect">
-                                  <p:stCondLst>
-                                    <p:cond delay="0"/>
-                                  </p:stCondLst>
-                                  <p:childTnLst>
-                                    <p:set>
-                                      <p:cBhvr>
-                                        <p:cTn id="6" dur="1" fill="hold">
-                                          <p:stCondLst>
-                                            <p:cond delay="0"/>
-                                          </p:stCondLst>
-                                        </p:cTn>
-                                        <p:tgtEl>
-                                          <p:spTgt spid="6146"/>
-                                        </p:tgtEl>
-                                        <p:attrNameLst>
-                                          <p:attrName>style.visibility</p:attrName>
-                                        </p:attrNameLst>
-                                      </p:cBhvr>
-                                      <p:to>
-                                        <p:strVal val="visible"/>
-                                      </p:to>
-                                    </p:set>
-                                  </p:childTnLst>
-                                </p:cTn>
-                              </p:par>
-                              <p:par>
-                                <p:cTn id="7" presetID="1" presetClass="entr" presetSubtype="0" fill="hold" grpId="0" nodeType="withEffect">
-                                  <p:stCondLst>
-                                    <p:cond delay="0"/>
-                                  </p:stCondLst>
-                                  <p:childTnLst>
-                                    <p:set>
-                                      <p:cBhvr>
-                                        <p:cTn id="8" dur="1" fill="hold">
-                                          <p:stCondLst>
-                                            <p:cond delay="0"/>
-                                          </p:stCondLst>
-                                        </p:cTn>
-                                        <p:tgtEl>
-                                          <p:spTgt spid="7"/>
-                                        </p:tgtEl>
-                                        <p:attrNameLst>
-                                          <p:attrName>style.visibility</p:attrName>
-                                        </p:attrNameLst>
-                                      </p:cBhvr>
-                                      <p:to>
-                                        <p:strVal val="visible"/>
-                                      </p:to>
-                                    </p:set>
-                                  </p:childTnLst>
-                                </p:cTn>
-                              </p:par>
-                              <p:par>
-                                <p:cTn id="9" presetID="1" presetClass="entr" presetSubtype="0" fill="hold" nodeType="withEffect">
-                                  <p:stCondLst>
-                                    <p:cond delay="0"/>
-                                  </p:stCondLst>
-                                  <p:childTnLst>
-                                    <p:set>
-                                      <p:cBhvr>
-                                        <p:cTn id="10" dur="1" fill="hold">
-                                          <p:stCondLst>
-                                            <p:cond delay="0"/>
-                                          </p:stCondLst>
-                                        </p:cTn>
-                                        <p:tgtEl>
-                                          <p:spTgt spid="8"/>
-                                        </p:tgtEl>
-                                        <p:attrNameLst>
-                                          <p:attrName>style.visibility</p:attrName>
-                                        </p:attrNameLst>
-                                      </p:cBhvr>
-                                      <p:to>
-                                        <p:strVal val="visible"/>
-                                      </p:to>
-                                    </p:set>
-                                  </p:childTnLst>
-                                </p:cTn>
-                              </p:par>
-                              <p:par>
-                                <p:cTn id="11" presetID="1" presetClass="entr" presetSubtype="0" fill="hold" nodeType="withEffect">
-                                  <p:stCondLst>
-                                    <p:cond delay="0"/>
-                                  </p:stCondLst>
-                                  <p:childTnLst>
-                                    <p:set>
-                                      <p:cBhvr>
-                                        <p:cTn id="12" dur="1" fill="hold">
-                                          <p:stCondLst>
-                                            <p:cond delay="0"/>
-                                          </p:stCondLst>
-                                        </p:cTn>
-                                        <p:tgtEl>
-                                          <p:spTgt spid="6"/>
-                                        </p:tgtEl>
-                                        <p:attrNameLst>
-                                          <p:attrName>style.visibility</p:attrName>
-                                        </p:attrNameLst>
-                                      </p:cBhvr>
-                                      <p:to>
-                                        <p:strVal val="visible"/>
-                                      </p:to>
-                                    </p:set>
-                                  </p:childTnLst>
-                                </p:cTn>
-                              </p:par>
-                            </p:childTnLst>
-                          </p:cTn>
-                        </p:par>
-                      </p:childTnLst>
-                    </p:cTn>
-                  </p:par>
-                </p:childTnLst>
-              </p:cTn>
-              <p:prevCondLst>
-                <p:cond evt="onPrev" delay="0">
-                  <p:tgtEl>
-                    <p:sldTgt/>
-                  </p:tgtEl>
-                </p:cond>
-              </p:prevCondLst>
-              <p:nextCondLst>
-                <p:cond evt="onNext" delay="0">
-                  <p:tgtEl>
-                    <p:sldTgt/>
-                  </p:tgtEl>
-                </p:cond>
-              </p:nextCondLst>
-            </p:seq>
-          </p:childTnLst>
-        </p:cTn>
-      </p:par>
-    </p:tnLst>
-    <p:bldLst>
-      <p:bldP spid="7" grpId="0" animBg="1"/>
-    </p:bldLst>
-  </p:timing>
 </p:sld>
 </file>
 
@@ -23385,7 +22480,7 @@
           <p:nvPr/>
         </p:nvPicPr>
         <p:blipFill>
-          <a:blip r:embed="rId2">
+          <a:blip r:embed="rId3">
             <a:extLst>
               <a:ext uri="{28A0092B-C50C-407E-A947-70E740481C1C}">
                 <a14:useLocalDpi xmlns:a14="http://schemas.microsoft.com/office/drawing/2010/main" val="0"/>
@@ -24336,6 +23431,36 @@
           </a:fontRef>
         </p:style>
       </p:cxnSp>
+      <p:pic>
+        <p:nvPicPr>
+          <p:cNvPr id="13" name="Picture 12">
+            <a:extLst>
+              <a:ext uri="{FF2B5EF4-FFF2-40B4-BE49-F238E27FC236}">
+                <a16:creationId xmlns:a16="http://schemas.microsoft.com/office/drawing/2014/main" id="{1476F117-B6E4-C937-BA6D-BF1E1FEFB84D}"/>
+              </a:ext>
+            </a:extLst>
+          </p:cNvPr>
+          <p:cNvPicPr>
+            <a:picLocks noChangeAspect="1"/>
+          </p:cNvPicPr>
+          <p:nvPr/>
+        </p:nvPicPr>
+        <p:blipFill>
+          <a:blip r:embed="rId6"/>
+          <a:stretch>
+            <a:fillRect/>
+          </a:stretch>
+        </p:blipFill>
+        <p:spPr>
+          <a:xfrm>
+            <a:off x="2930052" y="6985608"/>
+            <a:ext cx="6400800" cy="1247775"/>
+          </a:xfrm>
+          <a:prstGeom prst="rect">
+            <a:avLst/>
+          </a:prstGeom>
+        </p:spPr>
+      </p:pic>
     </p:spTree>
     <p:extLst>
       <p:ext uri="{BB962C8B-B14F-4D97-AF65-F5344CB8AC3E}">
@@ -26799,42 +25924,6 @@
           </a:prstGeom>
         </p:spPr>
       </p:pic>
-      <p:pic>
-        <p:nvPicPr>
-          <p:cNvPr id="17" name="Graphic 16" descr="Rocket outline">
-            <a:extLst>
-              <a:ext uri="{FF2B5EF4-FFF2-40B4-BE49-F238E27FC236}">
-                <a16:creationId xmlns:a16="http://schemas.microsoft.com/office/drawing/2014/main" id="{FCAE51DE-7DF5-7C7B-DFD5-6AB2365E8FC0}"/>
-              </a:ext>
-            </a:extLst>
-          </p:cNvPr>
-          <p:cNvPicPr>
-            <a:picLocks noChangeAspect="1"/>
-          </p:cNvPicPr>
-          <p:nvPr/>
-        </p:nvPicPr>
-        <p:blipFill>
-          <a:blip r:embed="rId2">
-            <a:extLst>
-              <a:ext uri="{96DAC541-7B7A-43D3-8B79-37D633B846F1}">
-                <asvg:svgBlip xmlns:asvg="http://schemas.microsoft.com/office/drawing/2016/SVG/main" r:embed="rId3"/>
-              </a:ext>
-            </a:extLst>
-          </a:blip>
-          <a:stretch>
-            <a:fillRect/>
-          </a:stretch>
-        </p:blipFill>
-        <p:spPr>
-          <a:xfrm rot="2956708">
-            <a:off x="3556771" y="3473252"/>
-            <a:ext cx="746148" cy="746148"/>
-          </a:xfrm>
-          <a:prstGeom prst="rect">
-            <a:avLst/>
-          </a:prstGeom>
-        </p:spPr>
-      </p:pic>
       <p:cxnSp>
         <p:nvCxnSpPr>
           <p:cNvPr id="19" name="Straight Arrow Connector 18">
@@ -27047,6 +26136,42 @@
           </a:p>
         </p:txBody>
       </p:sp>
+      <p:pic>
+        <p:nvPicPr>
+          <p:cNvPr id="17" name="Graphic 16" descr="Rocket outline">
+            <a:extLst>
+              <a:ext uri="{FF2B5EF4-FFF2-40B4-BE49-F238E27FC236}">
+                <a16:creationId xmlns:a16="http://schemas.microsoft.com/office/drawing/2014/main" id="{FCAE51DE-7DF5-7C7B-DFD5-6AB2365E8FC0}"/>
+              </a:ext>
+            </a:extLst>
+          </p:cNvPr>
+          <p:cNvPicPr>
+            <a:picLocks noChangeAspect="1"/>
+          </p:cNvPicPr>
+          <p:nvPr/>
+        </p:nvPicPr>
+        <p:blipFill>
+          <a:blip r:embed="rId2">
+            <a:extLst>
+              <a:ext uri="{96DAC541-7B7A-43D3-8B79-37D633B846F1}">
+                <asvg:svgBlip xmlns:asvg="http://schemas.microsoft.com/office/drawing/2016/SVG/main" r:embed="rId3"/>
+              </a:ext>
+            </a:extLst>
+          </a:blip>
+          <a:stretch>
+            <a:fillRect/>
+          </a:stretch>
+        </p:blipFill>
+        <p:spPr>
+          <a:xfrm rot="2956708">
+            <a:off x="3556771" y="3473252"/>
+            <a:ext cx="746148" cy="746148"/>
+          </a:xfrm>
+          <a:prstGeom prst="rect">
+            <a:avLst/>
+          </a:prstGeom>
+        </p:spPr>
+      </p:pic>
     </p:spTree>
     <p:extLst>
       <p:ext uri="{BB962C8B-B14F-4D97-AF65-F5344CB8AC3E}">
@@ -30369,7 +29494,18 @@
           <a:p>
             <a:r>
               <a:rPr lang="en-CA" sz="2800" dirty="0"/>
-              <a:t>I am not (yet)</a:t>
+              <a:t>I am not </a:t>
+            </a:r>
+            <a:r>
+              <a:rPr lang="en-CA" sz="2800" dirty="0">
+                <a:solidFill>
+                  <a:schemeClr val="tx2">
+                    <a:lumMod val="40000"/>
+                    <a:lumOff val="60000"/>
+                  </a:schemeClr>
+                </a:solidFill>
+              </a:rPr>
+              <a:t>(yet)</a:t>
             </a:r>
           </a:p>
           <a:p>
@@ -30785,7 +29921,7 @@
               <a:rPr lang="en-CA" sz="2400" dirty="0">
                 <a:effectLst/>
               </a:rPr>
-              <a:t>This informal workshop will focus on introducing Bayesian modelling and probabilistic programming. The tentative topics covered in the 4-hour workshop include:</a:t>
+              <a:t>This informal workshop will focus on introducing Bayesian modelling and probabilistic programming. The tentative topics covered in the 6-hour workshop include:</a:t>
             </a:r>
           </a:p>
           <a:p>
@@ -30813,7 +29949,21 @@
               <a:rPr lang="en-CA" sz="2400" b="1" dirty="0"/>
               <a:t>Bayesian linear regression</a:t>
             </a:r>
-            <a:endParaRPr lang="en-CA" sz="2400" dirty="0"/>
+          </a:p>
+          <a:p>
+            <a:pPr>
+              <a:spcBef>
+                <a:spcPts val="1800"/>
+              </a:spcBef>
+            </a:pPr>
+            <a:r>
+              <a:rPr lang="en-CA" sz="2400" b="1" dirty="0"/>
+              <a:t>Informative prior probability: </a:t>
+            </a:r>
+            <a:r>
+              <a:rPr lang="en-CA" sz="2400" dirty="0"/>
+              <a:t>Do you have any prior knowledge?</a:t>
+            </a:r>
           </a:p>
           <a:p>
             <a:pPr>
@@ -30838,21 +29988,8 @@
             </a:pPr>
             <a:r>
               <a:rPr lang="en-CA" sz="2400" b="1" dirty="0"/>
-              <a:t>Advanced Topics: </a:t>
+              <a:t>Advanced Topics…</a:t>
             </a:r>
-            <a:r>
-              <a:rPr lang="en-CA" sz="2400" dirty="0"/>
-              <a:t>Bayesian</a:t>
-            </a:r>
-            <a:r>
-              <a:rPr lang="en-CA" sz="2400" b="1" dirty="0"/>
-              <a:t> </a:t>
-            </a:r>
-            <a:r>
-              <a:rPr lang="en-US" sz="2400" dirty="0"/>
-              <a:t>Design of Experiment and Optimization</a:t>
-            </a:r>
-            <a:endParaRPr lang="en-CA" sz="2400" b="1" dirty="0"/>
           </a:p>
         </p:txBody>
       </p:sp>
@@ -31078,6 +30215,55 @@
                                           <p:spTgt spid="2">
                                             <p:txEl>
                                               <p:pRg st="4" end="4"/>
+                                            </p:txEl>
+                                          </p:spTgt>
+                                        </p:tgtEl>
+                                        <p:attrNameLst>
+                                          <p:attrName>style.visibility</p:attrName>
+                                        </p:attrNameLst>
+                                      </p:cBhvr>
+                                      <p:to>
+                                        <p:strVal val="visible"/>
+                                      </p:to>
+                                    </p:set>
+                                  </p:childTnLst>
+                                </p:cTn>
+                              </p:par>
+                            </p:childTnLst>
+                          </p:cTn>
+                        </p:par>
+                      </p:childTnLst>
+                    </p:cTn>
+                  </p:par>
+                  <p:par>
+                    <p:cTn id="19" fill="hold">
+                      <p:stCondLst>
+                        <p:cond delay="indefinite"/>
+                      </p:stCondLst>
+                      <p:childTnLst>
+                        <p:par>
+                          <p:cTn id="20" fill="hold">
+                            <p:stCondLst>
+                              <p:cond delay="0"/>
+                            </p:stCondLst>
+                            <p:childTnLst>
+                              <p:par>
+                                <p:cTn id="21" presetID="1" presetClass="entr" presetSubtype="0" fill="hold" nodeType="clickEffect">
+                                  <p:stCondLst>
+                                    <p:cond delay="0"/>
+                                  </p:stCondLst>
+                                  <p:childTnLst>
+                                    <p:set>
+                                      <p:cBhvr>
+                                        <p:cTn id="22" dur="1" fill="hold">
+                                          <p:stCondLst>
+                                            <p:cond delay="0"/>
+                                          </p:stCondLst>
+                                        </p:cTn>
+                                        <p:tgtEl>
+                                          <p:spTgt spid="2">
+                                            <p:txEl>
+                                              <p:pRg st="5" end="5"/>
                                             </p:txEl>
                                           </p:spTgt>
                                         </p:tgtEl>
@@ -33243,15 +32429,6 @@
 </file>
 
 <file path=customXml/item1.xml><?xml version="1.0" encoding="utf-8"?>
-<?mso-contentType ?>
-<FormTemplates xmlns="http://schemas.microsoft.com/sharepoint/v3/contenttype/forms">
-  <Display>DocumentLibraryForm</Display>
-  <Edit>DocumentLibraryForm</Edit>
-  <New>DocumentLibraryForm</New>
-</FormTemplates>
-</file>
-
-<file path=customXml/item2.xml><?xml version="1.0" encoding="utf-8"?>
 <p:properties xmlns:p="http://schemas.microsoft.com/office/2006/metadata/properties" xmlns:xsi="http://www.w3.org/2001/XMLSchema-instance" xmlns:pc="http://schemas.microsoft.com/office/infopath/2007/PartnerControls">
   <documentManagement>
     <TaxCatchAll xmlns="21cea1b5-b8b8-49a7-ad55-9815503a2de3" xsi:nil="true"/>
@@ -33262,7 +32439,7 @@
 </p:properties>
 </file>
 
-<file path=customXml/item3.xml><?xml version="1.0" encoding="utf-8"?>
+<file path=customXml/item2.xml><?xml version="1.0" encoding="utf-8"?>
 <ct:contentTypeSchema xmlns:ct="http://schemas.microsoft.com/office/2006/metadata/contentType" xmlns:ma="http://schemas.microsoft.com/office/2006/metadata/properties/metaAttributes" ct:_="" ma:_="" ma:contentTypeName="문서" ma:contentTypeID="0x0101007917C783DC76484FB8EE4E2E915C826D" ma:contentTypeVersion="14" ma:contentTypeDescription="새 문서를 만듭니다." ma:contentTypeScope="" ma:versionID="5970496cfac6c8ed8dd979ecb5c5ac3e">
   <xsd:schema xmlns:xsd="http://www.w3.org/2001/XMLSchema" xmlns:xs="http://www.w3.org/2001/XMLSchema" xmlns:p="http://schemas.microsoft.com/office/2006/metadata/properties" xmlns:ns2="a777d6bd-13f9-427d-90d8-3493e6e6135a" xmlns:ns3="21cea1b5-b8b8-49a7-ad55-9815503a2de3" targetNamespace="http://schemas.microsoft.com/office/2006/metadata/properties" ma:root="true" ma:fieldsID="b3948081e9c420d0af992ef9601bf8ae" ns2:_="" ns3:_="">
     <xsd:import namespace="a777d6bd-13f9-427d-90d8-3493e6e6135a"/>
@@ -33491,15 +32668,16 @@
 </ct:contentTypeSchema>
 </file>
 
-<file path=customXml/itemProps1.xml><?xml version="1.0" encoding="utf-8"?>
-<ds:datastoreItem xmlns:ds="http://schemas.openxmlformats.org/officeDocument/2006/customXml" ds:itemID="{D0BCF156-7021-46E7-A8A5-2912D2711101}">
-  <ds:schemaRefs>
-    <ds:schemaRef ds:uri="http://schemas.microsoft.com/sharepoint/v3/contenttype/forms"/>
-  </ds:schemaRefs>
-</ds:datastoreItem>
+<file path=customXml/item3.xml><?xml version="1.0" encoding="utf-8"?>
+<?mso-contentType ?>
+<FormTemplates xmlns="http://schemas.microsoft.com/sharepoint/v3/contenttype/forms">
+  <Display>DocumentLibraryForm</Display>
+  <Edit>DocumentLibraryForm</Edit>
+  <New>DocumentLibraryForm</New>
+</FormTemplates>
 </file>
 
-<file path=customXml/itemProps2.xml><?xml version="1.0" encoding="utf-8"?>
+<file path=customXml/itemProps1.xml><?xml version="1.0" encoding="utf-8"?>
 <ds:datastoreItem xmlns:ds="http://schemas.openxmlformats.org/officeDocument/2006/customXml" ds:itemID="{B46BB44E-DDA9-4A4E-8422-24BFBB7878E2}">
   <ds:schemaRefs>
     <ds:schemaRef ds:uri="http://purl.org/dc/elements/1.1/"/>
@@ -33516,7 +32694,7 @@
 </ds:datastoreItem>
 </file>
 
-<file path=customXml/itemProps3.xml><?xml version="1.0" encoding="utf-8"?>
+<file path=customXml/itemProps2.xml><?xml version="1.0" encoding="utf-8"?>
 <ds:datastoreItem xmlns:ds="http://schemas.openxmlformats.org/officeDocument/2006/customXml" ds:itemID="{F75F35C7-3041-4C40-AE9D-9C5AA7725281}">
   <ds:schemaRefs>
     <ds:schemaRef ds:uri="21cea1b5-b8b8-49a7-ad55-9815503a2de3"/>
@@ -33535,6 +32713,14 @@
 </ds:datastoreItem>
 </file>
 
+<file path=customXml/itemProps3.xml><?xml version="1.0" encoding="utf-8"?>
+<ds:datastoreItem xmlns:ds="http://schemas.openxmlformats.org/officeDocument/2006/customXml" ds:itemID="{D0BCF156-7021-46E7-A8A5-2912D2711101}">
+  <ds:schemaRefs>
+    <ds:schemaRef ds:uri="http://schemas.microsoft.com/sharepoint/v3/contenttype/forms"/>
+  </ds:schemaRefs>
+</ds:datastoreItem>
+</file>
+
 <file path=docMetadata/LabelInfo.xml><?xml version="1.0" encoding="utf-8"?>
 <clbl:labelList xmlns:clbl="http://schemas.microsoft.com/office/2020/mipLabelMetadata">
   <clbl:label id="{78aac226-2f03-4b4d-9037-b46d56c55210}" enabled="0" method="" siteId="{78aac226-2f03-4b4d-9037-b46d56c55210}" removed="1"/>
